--- a/Paper/Graph Matching.pptx
+++ b/Paper/Graph Matching.pptx
@@ -12764,28 +12764,3073 @@
       </p:grpSpPr>
       <p:grpSp>
         <p:nvGrpSpPr>
-          <p:cNvPr id="99" name="Group 98"/>
+          <p:cNvPr id="223" name="Group 222"/>
           <p:cNvGrpSpPr/>
           <p:nvPr/>
         </p:nvGrpSpPr>
         <p:grpSpPr>
           <a:xfrm>
-            <a:off x="1800244" y="1860225"/>
-            <a:ext cx="5313521" cy="2905014"/>
-            <a:chOff x="30271879" y="7915386"/>
-            <a:chExt cx="5313521" cy="2905014"/>
+            <a:off x="110897" y="1310640"/>
+            <a:ext cx="8636863" cy="3221442"/>
+            <a:chOff x="-1653205" y="1310640"/>
+            <a:chExt cx="10797205" cy="4027222"/>
           </a:xfrm>
         </p:grpSpPr>
+        <p:grpSp>
+          <p:nvGrpSpPr>
+            <p:cNvPr id="114" name="Group 113"/>
+            <p:cNvGrpSpPr/>
+            <p:nvPr/>
+          </p:nvGrpSpPr>
+          <p:grpSpPr>
+            <a:xfrm>
+              <a:off x="-1095709" y="1310640"/>
+              <a:ext cx="7604429" cy="1753625"/>
+              <a:chOff x="12661998" y="12344400"/>
+              <a:chExt cx="9004353" cy="2076456"/>
+            </a:xfrm>
+          </p:grpSpPr>
+          <p:grpSp>
+            <p:nvGrpSpPr>
+              <p:cNvPr id="115" name="Group 114"/>
+              <p:cNvGrpSpPr/>
+              <p:nvPr/>
+            </p:nvGrpSpPr>
+            <p:grpSpPr>
+              <a:xfrm>
+                <a:off x="12661998" y="12577475"/>
+                <a:ext cx="1555272" cy="1623202"/>
+                <a:chOff x="13299652" y="13351944"/>
+                <a:chExt cx="1555272" cy="1623202"/>
+              </a:xfrm>
+            </p:grpSpPr>
+            <p:grpSp>
+              <p:nvGrpSpPr>
+                <p:cNvPr id="178" name="Group 177"/>
+                <p:cNvGrpSpPr/>
+                <p:nvPr/>
+              </p:nvGrpSpPr>
+              <p:grpSpPr>
+                <a:xfrm>
+                  <a:off x="13299652" y="13351944"/>
+                  <a:ext cx="1511556" cy="1623202"/>
+                  <a:chOff x="13299652" y="13351944"/>
+                  <a:chExt cx="1511556" cy="1623202"/>
+                </a:xfrm>
+              </p:grpSpPr>
+              <p:sp>
+                <p:nvSpPr>
+                  <p:cNvPr id="182" name="Oval 181"/>
+                  <p:cNvSpPr/>
+                  <p:nvPr/>
+                </p:nvSpPr>
+                <p:spPr>
+                  <a:xfrm>
+                    <a:off x="13299652" y="13351944"/>
+                    <a:ext cx="304800" cy="304800"/>
+                  </a:xfrm>
+                  <a:prstGeom prst="ellipse">
+                    <a:avLst/>
+                  </a:prstGeom>
+                  <a:noFill/>
+                  <a:ln>
+                    <a:solidFill>
+                      <a:srgbClr val="FF99CC"/>
+                    </a:solidFill>
+                  </a:ln>
+                </p:spPr>
+                <p:style>
+                  <a:lnRef idx="2">
+                    <a:schemeClr val="accent1"/>
+                  </a:lnRef>
+                  <a:fillRef idx="1">
+                    <a:schemeClr val="lt1"/>
+                  </a:fillRef>
+                  <a:effectRef idx="0">
+                    <a:schemeClr val="accent1"/>
+                  </a:effectRef>
+                  <a:fontRef idx="minor">
+                    <a:schemeClr val="dk1"/>
+                  </a:fontRef>
+                </p:style>
+                <p:txBody>
+                  <a:bodyPr rtlCol="0" anchor="ctr"/>
+                  <a:lstStyle/>
+                  <a:p>
+                    <a:pPr algn="ctr"/>
+                    <a:endParaRPr lang="en-US"/>
+                  </a:p>
+                </p:txBody>
+              </p:sp>
+              <p:sp>
+                <p:nvSpPr>
+                  <p:cNvPr id="183" name="Oval 182"/>
+                  <p:cNvSpPr/>
+                  <p:nvPr/>
+                </p:nvSpPr>
+                <p:spPr>
+                  <a:xfrm>
+                    <a:off x="13955546" y="13351944"/>
+                    <a:ext cx="304800" cy="304800"/>
+                  </a:xfrm>
+                  <a:prstGeom prst="ellipse">
+                    <a:avLst/>
+                  </a:prstGeom>
+                  <a:noFill/>
+                  <a:ln>
+                    <a:solidFill>
+                      <a:srgbClr val="FF99CC"/>
+                    </a:solidFill>
+                  </a:ln>
+                </p:spPr>
+                <p:style>
+                  <a:lnRef idx="2">
+                    <a:schemeClr val="accent1"/>
+                  </a:lnRef>
+                  <a:fillRef idx="1">
+                    <a:schemeClr val="lt1"/>
+                  </a:fillRef>
+                  <a:effectRef idx="0">
+                    <a:schemeClr val="accent1"/>
+                  </a:effectRef>
+                  <a:fontRef idx="minor">
+                    <a:schemeClr val="dk1"/>
+                  </a:fontRef>
+                </p:style>
+                <p:txBody>
+                  <a:bodyPr rtlCol="0" anchor="ctr"/>
+                  <a:lstStyle/>
+                  <a:p>
+                    <a:pPr algn="ctr"/>
+                    <a:endParaRPr lang="en-US"/>
+                  </a:p>
+                </p:txBody>
+              </p:sp>
+              <p:sp>
+                <p:nvSpPr>
+                  <p:cNvPr id="184" name="Oval 183"/>
+                  <p:cNvSpPr/>
+                  <p:nvPr/>
+                </p:nvSpPr>
+                <p:spPr>
+                  <a:xfrm>
+                    <a:off x="13955546" y="13992350"/>
+                    <a:ext cx="304800" cy="304800"/>
+                  </a:xfrm>
+                  <a:prstGeom prst="ellipse">
+                    <a:avLst/>
+                  </a:prstGeom>
+                  <a:noFill/>
+                  <a:ln>
+                    <a:solidFill>
+                      <a:srgbClr val="FF99CC"/>
+                    </a:solidFill>
+                  </a:ln>
+                </p:spPr>
+                <p:style>
+                  <a:lnRef idx="2">
+                    <a:schemeClr val="accent1"/>
+                  </a:lnRef>
+                  <a:fillRef idx="1">
+                    <a:schemeClr val="lt1"/>
+                  </a:fillRef>
+                  <a:effectRef idx="0">
+                    <a:schemeClr val="accent1"/>
+                  </a:effectRef>
+                  <a:fontRef idx="minor">
+                    <a:schemeClr val="dk1"/>
+                  </a:fontRef>
+                </p:style>
+                <p:txBody>
+                  <a:bodyPr rtlCol="0" anchor="ctr"/>
+                  <a:lstStyle/>
+                  <a:p>
+                    <a:pPr algn="ctr"/>
+                    <a:endParaRPr lang="en-US"/>
+                  </a:p>
+                </p:txBody>
+              </p:sp>
+              <p:sp>
+                <p:nvSpPr>
+                  <p:cNvPr id="185" name="Oval 184"/>
+                  <p:cNvSpPr/>
+                  <p:nvPr/>
+                </p:nvSpPr>
+                <p:spPr>
+                  <a:xfrm>
+                    <a:off x="13299652" y="13992350"/>
+                    <a:ext cx="304800" cy="304800"/>
+                  </a:xfrm>
+                  <a:prstGeom prst="ellipse">
+                    <a:avLst/>
+                  </a:prstGeom>
+                  <a:noFill/>
+                  <a:ln>
+                    <a:solidFill>
+                      <a:srgbClr val="FF99CC"/>
+                    </a:solidFill>
+                  </a:ln>
+                </p:spPr>
+                <p:style>
+                  <a:lnRef idx="2">
+                    <a:schemeClr val="accent1"/>
+                  </a:lnRef>
+                  <a:fillRef idx="1">
+                    <a:schemeClr val="lt1"/>
+                  </a:fillRef>
+                  <a:effectRef idx="0">
+                    <a:schemeClr val="accent1"/>
+                  </a:effectRef>
+                  <a:fontRef idx="minor">
+                    <a:schemeClr val="dk1"/>
+                  </a:fontRef>
+                </p:style>
+                <p:txBody>
+                  <a:bodyPr rtlCol="0" anchor="ctr"/>
+                  <a:lstStyle/>
+                  <a:p>
+                    <a:pPr algn="ctr"/>
+                    <a:endParaRPr lang="en-US"/>
+                  </a:p>
+                </p:txBody>
+              </p:sp>
+              <p:cxnSp>
+                <p:nvCxnSpPr>
+                  <p:cNvPr id="186" name="Straight Connector 185"/>
+                  <p:cNvCxnSpPr/>
+                  <p:nvPr/>
+                </p:nvCxnSpPr>
+                <p:spPr>
+                  <a:xfrm flipV="1">
+                    <a:off x="13452052" y="13656744"/>
+                    <a:ext cx="0" cy="335606"/>
+                  </a:xfrm>
+                  <a:prstGeom prst="line">
+                    <a:avLst/>
+                  </a:prstGeom>
+                  <a:ln w="25400">
+                    <a:solidFill>
+                      <a:srgbClr val="FF99CC"/>
+                    </a:solidFill>
+                  </a:ln>
+                </p:spPr>
+                <p:style>
+                  <a:lnRef idx="1">
+                    <a:schemeClr val="accent1"/>
+                  </a:lnRef>
+                  <a:fillRef idx="0">
+                    <a:schemeClr val="accent1"/>
+                  </a:fillRef>
+                  <a:effectRef idx="0">
+                    <a:schemeClr val="accent1"/>
+                  </a:effectRef>
+                  <a:fontRef idx="minor">
+                    <a:schemeClr val="tx1"/>
+                  </a:fontRef>
+                </p:style>
+              </p:cxnSp>
+              <p:cxnSp>
+                <p:nvCxnSpPr>
+                  <p:cNvPr id="187" name="Straight Connector 186"/>
+                  <p:cNvCxnSpPr/>
+                  <p:nvPr/>
+                </p:nvCxnSpPr>
+                <p:spPr>
+                  <a:xfrm flipV="1">
+                    <a:off x="14107946" y="13656744"/>
+                    <a:ext cx="0" cy="335606"/>
+                  </a:xfrm>
+                  <a:prstGeom prst="line">
+                    <a:avLst/>
+                  </a:prstGeom>
+                  <a:ln w="25400">
+                    <a:solidFill>
+                      <a:srgbClr val="FF99CC"/>
+                    </a:solidFill>
+                  </a:ln>
+                </p:spPr>
+                <p:style>
+                  <a:lnRef idx="1">
+                    <a:schemeClr val="accent1"/>
+                  </a:lnRef>
+                  <a:fillRef idx="0">
+                    <a:schemeClr val="accent1"/>
+                  </a:fillRef>
+                  <a:effectRef idx="0">
+                    <a:schemeClr val="accent1"/>
+                  </a:effectRef>
+                  <a:fontRef idx="minor">
+                    <a:schemeClr val="tx1"/>
+                  </a:fontRef>
+                </p:style>
+              </p:cxnSp>
+              <p:cxnSp>
+                <p:nvCxnSpPr>
+                  <p:cNvPr id="188" name="Straight Connector 187"/>
+                  <p:cNvCxnSpPr/>
+                  <p:nvPr/>
+                </p:nvCxnSpPr>
+                <p:spPr>
+                  <a:xfrm flipH="1">
+                    <a:off x="13604452" y="14144750"/>
+                    <a:ext cx="351094" cy="0"/>
+                  </a:xfrm>
+                  <a:prstGeom prst="line">
+                    <a:avLst/>
+                  </a:prstGeom>
+                  <a:ln w="25400">
+                    <a:solidFill>
+                      <a:srgbClr val="FF99CC"/>
+                    </a:solidFill>
+                  </a:ln>
+                </p:spPr>
+                <p:style>
+                  <a:lnRef idx="1">
+                    <a:schemeClr val="accent1"/>
+                  </a:lnRef>
+                  <a:fillRef idx="0">
+                    <a:schemeClr val="accent1"/>
+                  </a:fillRef>
+                  <a:effectRef idx="0">
+                    <a:schemeClr val="accent1"/>
+                  </a:effectRef>
+                  <a:fontRef idx="minor">
+                    <a:schemeClr val="tx1"/>
+                  </a:fontRef>
+                </p:style>
+              </p:cxnSp>
+              <p:cxnSp>
+                <p:nvCxnSpPr>
+                  <p:cNvPr id="189" name="Straight Connector 188"/>
+                  <p:cNvCxnSpPr/>
+                  <p:nvPr/>
+                </p:nvCxnSpPr>
+                <p:spPr>
+                  <a:xfrm flipH="1">
+                    <a:off x="13604452" y="13504344"/>
+                    <a:ext cx="351094" cy="0"/>
+                  </a:xfrm>
+                  <a:prstGeom prst="line">
+                    <a:avLst/>
+                  </a:prstGeom>
+                  <a:ln w="25400">
+                    <a:solidFill>
+                      <a:srgbClr val="FF99CC"/>
+                    </a:solidFill>
+                  </a:ln>
+                </p:spPr>
+                <p:style>
+                  <a:lnRef idx="1">
+                    <a:schemeClr val="accent1"/>
+                  </a:lnRef>
+                  <a:fillRef idx="0">
+                    <a:schemeClr val="accent1"/>
+                  </a:fillRef>
+                  <a:effectRef idx="0">
+                    <a:schemeClr val="accent1"/>
+                  </a:effectRef>
+                  <a:fontRef idx="minor">
+                    <a:schemeClr val="tx1"/>
+                  </a:fontRef>
+                </p:style>
+              </p:cxnSp>
+              <p:cxnSp>
+                <p:nvCxnSpPr>
+                  <p:cNvPr id="190" name="Straight Connector 189"/>
+                  <p:cNvCxnSpPr/>
+                  <p:nvPr/>
+                </p:nvCxnSpPr>
+                <p:spPr>
+                  <a:xfrm flipH="1" flipV="1">
+                    <a:off x="14260346" y="14144750"/>
+                    <a:ext cx="290699" cy="218340"/>
+                  </a:xfrm>
+                  <a:prstGeom prst="line">
+                    <a:avLst/>
+                  </a:prstGeom>
+                  <a:ln w="25400">
+                    <a:solidFill>
+                      <a:schemeClr val="accent6"/>
+                    </a:solidFill>
+                  </a:ln>
+                </p:spPr>
+                <p:style>
+                  <a:lnRef idx="1">
+                    <a:schemeClr val="accent1"/>
+                  </a:lnRef>
+                  <a:fillRef idx="0">
+                    <a:schemeClr val="accent1"/>
+                  </a:fillRef>
+                  <a:effectRef idx="0">
+                    <a:schemeClr val="accent1"/>
+                  </a:effectRef>
+                  <a:fontRef idx="minor">
+                    <a:schemeClr val="tx1"/>
+                  </a:fontRef>
+                </p:style>
+              </p:cxnSp>
+              <p:sp>
+                <p:nvSpPr>
+                  <p:cNvPr id="191" name="Oval 190"/>
+                  <p:cNvSpPr/>
+                  <p:nvPr/>
+                </p:nvSpPr>
+                <p:spPr>
+                  <a:xfrm>
+                    <a:off x="14506408" y="14318453"/>
+                    <a:ext cx="304800" cy="304800"/>
+                  </a:xfrm>
+                  <a:prstGeom prst="ellipse">
+                    <a:avLst/>
+                  </a:prstGeom>
+                  <a:noFill/>
+                  <a:ln>
+                    <a:solidFill>
+                      <a:schemeClr val="accent6"/>
+                    </a:solidFill>
+                  </a:ln>
+                </p:spPr>
+                <p:style>
+                  <a:lnRef idx="2">
+                    <a:schemeClr val="accent1"/>
+                  </a:lnRef>
+                  <a:fillRef idx="1">
+                    <a:schemeClr val="lt1"/>
+                  </a:fillRef>
+                  <a:effectRef idx="0">
+                    <a:schemeClr val="accent1"/>
+                  </a:effectRef>
+                  <a:fontRef idx="minor">
+                    <a:schemeClr val="dk1"/>
+                  </a:fontRef>
+                </p:style>
+                <p:txBody>
+                  <a:bodyPr rtlCol="0" anchor="ctr"/>
+                  <a:lstStyle/>
+                  <a:p>
+                    <a:pPr algn="ctr"/>
+                    <a:endParaRPr lang="en-US"/>
+                  </a:p>
+                </p:txBody>
+              </p:sp>
+              <p:sp>
+                <p:nvSpPr>
+                  <p:cNvPr id="192" name="Oval 191"/>
+                  <p:cNvSpPr/>
+                  <p:nvPr/>
+                </p:nvSpPr>
+                <p:spPr>
+                  <a:xfrm>
+                    <a:off x="13955546" y="14670346"/>
+                    <a:ext cx="304800" cy="304800"/>
+                  </a:xfrm>
+                  <a:prstGeom prst="ellipse">
+                    <a:avLst/>
+                  </a:prstGeom>
+                  <a:noFill/>
+                  <a:ln>
+                    <a:solidFill>
+                      <a:schemeClr val="accent6"/>
+                    </a:solidFill>
+                  </a:ln>
+                </p:spPr>
+                <p:style>
+                  <a:lnRef idx="2">
+                    <a:schemeClr val="accent1"/>
+                  </a:lnRef>
+                  <a:fillRef idx="1">
+                    <a:schemeClr val="lt1"/>
+                  </a:fillRef>
+                  <a:effectRef idx="0">
+                    <a:schemeClr val="accent1"/>
+                  </a:effectRef>
+                  <a:fontRef idx="minor">
+                    <a:schemeClr val="dk1"/>
+                  </a:fontRef>
+                </p:style>
+                <p:txBody>
+                  <a:bodyPr rtlCol="0" anchor="ctr"/>
+                  <a:lstStyle/>
+                  <a:p>
+                    <a:pPr algn="ctr"/>
+                    <a:endParaRPr lang="en-US"/>
+                  </a:p>
+                </p:txBody>
+              </p:sp>
+              <p:sp>
+                <p:nvSpPr>
+                  <p:cNvPr id="193" name="Oval 192"/>
+                  <p:cNvSpPr/>
+                  <p:nvPr/>
+                </p:nvSpPr>
+                <p:spPr>
+                  <a:xfrm>
+                    <a:off x="13299652" y="14670346"/>
+                    <a:ext cx="304800" cy="304800"/>
+                  </a:xfrm>
+                  <a:prstGeom prst="ellipse">
+                    <a:avLst/>
+                  </a:prstGeom>
+                  <a:noFill/>
+                  <a:ln>
+                    <a:solidFill>
+                      <a:schemeClr val="accent6"/>
+                    </a:solidFill>
+                  </a:ln>
+                </p:spPr>
+                <p:style>
+                  <a:lnRef idx="2">
+                    <a:schemeClr val="accent1"/>
+                  </a:lnRef>
+                  <a:fillRef idx="1">
+                    <a:schemeClr val="lt1"/>
+                  </a:fillRef>
+                  <a:effectRef idx="0">
+                    <a:schemeClr val="accent1"/>
+                  </a:effectRef>
+                  <a:fontRef idx="minor">
+                    <a:schemeClr val="dk1"/>
+                  </a:fontRef>
+                </p:style>
+                <p:txBody>
+                  <a:bodyPr rtlCol="0" anchor="ctr"/>
+                  <a:lstStyle/>
+                  <a:p>
+                    <a:pPr algn="ctr"/>
+                    <a:endParaRPr lang="en-US"/>
+                  </a:p>
+                </p:txBody>
+              </p:sp>
+              <p:cxnSp>
+                <p:nvCxnSpPr>
+                  <p:cNvPr id="194" name="Straight Connector 193"/>
+                  <p:cNvCxnSpPr/>
+                  <p:nvPr/>
+                </p:nvCxnSpPr>
+                <p:spPr>
+                  <a:xfrm flipH="1">
+                    <a:off x="14260346" y="14578616"/>
+                    <a:ext cx="290699" cy="244130"/>
+                  </a:xfrm>
+                  <a:prstGeom prst="line">
+                    <a:avLst/>
+                  </a:prstGeom>
+                  <a:ln w="25400">
+                    <a:solidFill>
+                      <a:schemeClr val="accent6"/>
+                    </a:solidFill>
+                  </a:ln>
+                </p:spPr>
+                <p:style>
+                  <a:lnRef idx="1">
+                    <a:schemeClr val="accent1"/>
+                  </a:lnRef>
+                  <a:fillRef idx="0">
+                    <a:schemeClr val="accent1"/>
+                  </a:fillRef>
+                  <a:effectRef idx="0">
+                    <a:schemeClr val="accent1"/>
+                  </a:effectRef>
+                  <a:fontRef idx="minor">
+                    <a:schemeClr val="tx1"/>
+                  </a:fontRef>
+                </p:style>
+              </p:cxnSp>
+              <p:cxnSp>
+                <p:nvCxnSpPr>
+                  <p:cNvPr id="195" name="Straight Connector 194"/>
+                  <p:cNvCxnSpPr/>
+                  <p:nvPr/>
+                </p:nvCxnSpPr>
+                <p:spPr>
+                  <a:xfrm flipH="1">
+                    <a:off x="13604452" y="14822746"/>
+                    <a:ext cx="351094" cy="0"/>
+                  </a:xfrm>
+                  <a:prstGeom prst="line">
+                    <a:avLst/>
+                  </a:prstGeom>
+                  <a:ln w="25400">
+                    <a:solidFill>
+                      <a:schemeClr val="accent6"/>
+                    </a:solidFill>
+                  </a:ln>
+                </p:spPr>
+                <p:style>
+                  <a:lnRef idx="1">
+                    <a:schemeClr val="accent1"/>
+                  </a:lnRef>
+                  <a:fillRef idx="0">
+                    <a:schemeClr val="accent1"/>
+                  </a:fillRef>
+                  <a:effectRef idx="0">
+                    <a:schemeClr val="accent1"/>
+                  </a:effectRef>
+                  <a:fontRef idx="minor">
+                    <a:schemeClr val="tx1"/>
+                  </a:fontRef>
+                </p:style>
+              </p:cxnSp>
+              <p:cxnSp>
+                <p:nvCxnSpPr>
+                  <p:cNvPr id="196" name="Straight Connector 195"/>
+                  <p:cNvCxnSpPr/>
+                  <p:nvPr/>
+                </p:nvCxnSpPr>
+                <p:spPr>
+                  <a:xfrm flipV="1">
+                    <a:off x="13452052" y="14297150"/>
+                    <a:ext cx="0" cy="373196"/>
+                  </a:xfrm>
+                  <a:prstGeom prst="line">
+                    <a:avLst/>
+                  </a:prstGeom>
+                  <a:ln w="25400">
+                    <a:solidFill>
+                      <a:schemeClr val="accent6"/>
+                    </a:solidFill>
+                  </a:ln>
+                </p:spPr>
+                <p:style>
+                  <a:lnRef idx="1">
+                    <a:schemeClr val="accent1"/>
+                  </a:lnRef>
+                  <a:fillRef idx="0">
+                    <a:schemeClr val="accent1"/>
+                  </a:fillRef>
+                  <a:effectRef idx="0">
+                    <a:schemeClr val="accent1"/>
+                  </a:effectRef>
+                  <a:fontRef idx="minor">
+                    <a:schemeClr val="tx1"/>
+                  </a:fontRef>
+                </p:style>
+              </p:cxnSp>
+            </p:grpSp>
+            <p:cxnSp>
+              <p:nvCxnSpPr>
+                <p:cNvPr id="179" name="Straight Connector 178"/>
+                <p:cNvCxnSpPr/>
+                <p:nvPr/>
+              </p:nvCxnSpPr>
+              <p:spPr>
+                <a:xfrm>
+                  <a:off x="13559815" y="13612107"/>
+                  <a:ext cx="440368" cy="1102876"/>
+                </a:xfrm>
+                <a:prstGeom prst="line">
+                  <a:avLst/>
+                </a:prstGeom>
+                <a:ln w="25400">
+                  <a:solidFill>
+                    <a:schemeClr val="accent1"/>
+                  </a:solidFill>
+                </a:ln>
+              </p:spPr>
+              <p:style>
+                <a:lnRef idx="1">
+                  <a:schemeClr val="accent1"/>
+                </a:lnRef>
+                <a:fillRef idx="0">
+                  <a:schemeClr val="accent1"/>
+                </a:fillRef>
+                <a:effectRef idx="0">
+                  <a:schemeClr val="accent1"/>
+                </a:effectRef>
+                <a:fontRef idx="minor">
+                  <a:schemeClr val="tx1"/>
+                </a:fontRef>
+              </p:style>
+            </p:cxnSp>
+            <p:cxnSp>
+              <p:nvCxnSpPr>
+                <p:cNvPr id="180" name="Straight Connector 179"/>
+                <p:cNvCxnSpPr/>
+                <p:nvPr/>
+              </p:nvCxnSpPr>
+              <p:spPr>
+                <a:xfrm flipV="1">
+                  <a:off x="14215709" y="13629051"/>
+                  <a:ext cx="379052" cy="407936"/>
+                </a:xfrm>
+                <a:prstGeom prst="line">
+                  <a:avLst/>
+                </a:prstGeom>
+                <a:ln w="25400">
+                  <a:solidFill>
+                    <a:schemeClr val="tx1"/>
+                  </a:solidFill>
+                </a:ln>
+              </p:spPr>
+              <p:style>
+                <a:lnRef idx="1">
+                  <a:schemeClr val="accent1"/>
+                </a:lnRef>
+                <a:fillRef idx="0">
+                  <a:schemeClr val="accent1"/>
+                </a:fillRef>
+                <a:effectRef idx="0">
+                  <a:schemeClr val="accent1"/>
+                </a:effectRef>
+                <a:fontRef idx="minor">
+                  <a:schemeClr val="tx1"/>
+                </a:fontRef>
+              </p:style>
+            </p:cxnSp>
+            <p:sp>
+              <p:nvSpPr>
+                <p:cNvPr id="181" name="Oval 180"/>
+                <p:cNvSpPr/>
+                <p:nvPr/>
+              </p:nvSpPr>
+              <p:spPr>
+                <a:xfrm>
+                  <a:off x="14550124" y="13368888"/>
+                  <a:ext cx="304800" cy="304800"/>
+                </a:xfrm>
+                <a:prstGeom prst="ellipse">
+                  <a:avLst/>
+                </a:prstGeom>
+                <a:noFill/>
+                <a:ln>
+                  <a:solidFill>
+                    <a:schemeClr val="tx1"/>
+                  </a:solidFill>
+                </a:ln>
+              </p:spPr>
+              <p:style>
+                <a:lnRef idx="2">
+                  <a:schemeClr val="accent1"/>
+                </a:lnRef>
+                <a:fillRef idx="1">
+                  <a:schemeClr val="lt1"/>
+                </a:fillRef>
+                <a:effectRef idx="0">
+                  <a:schemeClr val="accent1"/>
+                </a:effectRef>
+                <a:fontRef idx="minor">
+                  <a:schemeClr val="dk1"/>
+                </a:fontRef>
+              </p:style>
+              <p:txBody>
+                <a:bodyPr rtlCol="0" anchor="ctr"/>
+                <a:lstStyle/>
+                <a:p>
+                  <a:pPr algn="ctr"/>
+                  <a:r>
+                    <a:rPr lang="en-US" dirty="0"/>
+                    <a:t> </a:t>
+                  </a:r>
+                </a:p>
+              </p:txBody>
+            </p:sp>
+          </p:grpSp>
+          <p:grpSp>
+            <p:nvGrpSpPr>
+              <p:cNvPr id="116" name="Group 115"/>
+              <p:cNvGrpSpPr/>
+              <p:nvPr/>
+            </p:nvGrpSpPr>
+            <p:grpSpPr>
+              <a:xfrm>
+                <a:off x="14944927" y="12344400"/>
+                <a:ext cx="1878684" cy="2076456"/>
+                <a:chOff x="14944927" y="12961756"/>
+                <a:chExt cx="1878684" cy="2076456"/>
+              </a:xfrm>
+            </p:grpSpPr>
+            <p:sp>
+              <p:nvSpPr>
+                <p:cNvPr id="158" name="Oval 157"/>
+                <p:cNvSpPr/>
+                <p:nvPr/>
+              </p:nvSpPr>
+              <p:spPr>
+                <a:xfrm rot="2641865">
+                  <a:off x="16047247" y="12961756"/>
+                  <a:ext cx="304800" cy="304800"/>
+                </a:xfrm>
+                <a:prstGeom prst="ellipse">
+                  <a:avLst/>
+                </a:prstGeom>
+                <a:noFill/>
+                <a:ln>
+                  <a:solidFill>
+                    <a:srgbClr val="FF99CC"/>
+                  </a:solidFill>
+                </a:ln>
+              </p:spPr>
+              <p:style>
+                <a:lnRef idx="2">
+                  <a:schemeClr val="accent1"/>
+                </a:lnRef>
+                <a:fillRef idx="1">
+                  <a:schemeClr val="lt1"/>
+                </a:fillRef>
+                <a:effectRef idx="0">
+                  <a:schemeClr val="accent1"/>
+                </a:effectRef>
+                <a:fontRef idx="minor">
+                  <a:schemeClr val="dk1"/>
+                </a:fontRef>
+              </p:style>
+              <p:txBody>
+                <a:bodyPr rtlCol="0" anchor="ctr"/>
+                <a:lstStyle/>
+                <a:p>
+                  <a:pPr algn="ctr"/>
+                  <a:endParaRPr lang="en-US"/>
+                </a:p>
+              </p:txBody>
+            </p:sp>
+            <p:sp>
+              <p:nvSpPr>
+                <p:cNvPr id="159" name="Oval 158"/>
+                <p:cNvSpPr/>
+                <p:nvPr/>
+              </p:nvSpPr>
+              <p:spPr>
+                <a:xfrm rot="2641865">
+                  <a:off x="16518811" y="13417634"/>
+                  <a:ext cx="304800" cy="304800"/>
+                </a:xfrm>
+                <a:prstGeom prst="ellipse">
+                  <a:avLst/>
+                </a:prstGeom>
+                <a:noFill/>
+                <a:ln>
+                  <a:solidFill>
+                    <a:srgbClr val="FF99CC"/>
+                  </a:solidFill>
+                </a:ln>
+              </p:spPr>
+              <p:style>
+                <a:lnRef idx="2">
+                  <a:schemeClr val="accent1"/>
+                </a:lnRef>
+                <a:fillRef idx="1">
+                  <a:schemeClr val="lt1"/>
+                </a:fillRef>
+                <a:effectRef idx="0">
+                  <a:schemeClr val="accent1"/>
+                </a:effectRef>
+                <a:fontRef idx="minor">
+                  <a:schemeClr val="dk1"/>
+                </a:fontRef>
+              </p:style>
+              <p:txBody>
+                <a:bodyPr rtlCol="0" anchor="ctr"/>
+                <a:lstStyle/>
+                <a:p>
+                  <a:pPr algn="ctr"/>
+                  <a:endParaRPr lang="en-US"/>
+                </a:p>
+              </p:txBody>
+            </p:sp>
+            <p:sp>
+              <p:nvSpPr>
+                <p:cNvPr id="160" name="Oval 159"/>
+                <p:cNvSpPr/>
+                <p:nvPr/>
+              </p:nvSpPr>
+              <p:spPr>
+                <a:xfrm rot="2641865">
+                  <a:off x="16073697" y="13878062"/>
+                  <a:ext cx="304800" cy="304800"/>
+                </a:xfrm>
+                <a:prstGeom prst="ellipse">
+                  <a:avLst/>
+                </a:prstGeom>
+                <a:noFill/>
+                <a:ln>
+                  <a:solidFill>
+                    <a:srgbClr val="FF99CC"/>
+                  </a:solidFill>
+                </a:ln>
+              </p:spPr>
+              <p:style>
+                <a:lnRef idx="2">
+                  <a:schemeClr val="accent1"/>
+                </a:lnRef>
+                <a:fillRef idx="1">
+                  <a:schemeClr val="lt1"/>
+                </a:fillRef>
+                <a:effectRef idx="0">
+                  <a:schemeClr val="accent1"/>
+                </a:effectRef>
+                <a:fontRef idx="minor">
+                  <a:schemeClr val="dk1"/>
+                </a:fontRef>
+              </p:style>
+              <p:txBody>
+                <a:bodyPr rtlCol="0" anchor="ctr"/>
+                <a:lstStyle/>
+                <a:p>
+                  <a:pPr algn="ctr"/>
+                  <a:endParaRPr lang="en-US"/>
+                </a:p>
+              </p:txBody>
+            </p:sp>
+            <p:sp>
+              <p:nvSpPr>
+                <p:cNvPr id="161" name="Oval 160"/>
+                <p:cNvSpPr/>
+                <p:nvPr/>
+              </p:nvSpPr>
+              <p:spPr>
+                <a:xfrm rot="2641865">
+                  <a:off x="15602134" y="13422184"/>
+                  <a:ext cx="304800" cy="304800"/>
+                </a:xfrm>
+                <a:prstGeom prst="ellipse">
+                  <a:avLst/>
+                </a:prstGeom>
+                <a:noFill/>
+                <a:ln>
+                  <a:solidFill>
+                    <a:srgbClr val="FF99CC"/>
+                  </a:solidFill>
+                </a:ln>
+              </p:spPr>
+              <p:style>
+                <a:lnRef idx="2">
+                  <a:schemeClr val="accent1"/>
+                </a:lnRef>
+                <a:fillRef idx="1">
+                  <a:schemeClr val="lt1"/>
+                </a:fillRef>
+                <a:effectRef idx="0">
+                  <a:schemeClr val="accent1"/>
+                </a:effectRef>
+                <a:fontRef idx="minor">
+                  <a:schemeClr val="dk1"/>
+                </a:fontRef>
+              </p:style>
+              <p:txBody>
+                <a:bodyPr rtlCol="0" anchor="ctr"/>
+                <a:lstStyle/>
+                <a:p>
+                  <a:pPr algn="ctr"/>
+                  <a:endParaRPr lang="en-US"/>
+                </a:p>
+              </p:txBody>
+            </p:sp>
+            <p:cxnSp>
+              <p:nvCxnSpPr>
+                <p:cNvPr id="162" name="Straight Connector 161"/>
+                <p:cNvCxnSpPr/>
+                <p:nvPr/>
+              </p:nvCxnSpPr>
+              <p:spPr>
+                <a:xfrm rot="2641865" flipV="1">
+                  <a:off x="15977091" y="13176567"/>
+                  <a:ext cx="0" cy="335606"/>
+                </a:xfrm>
+                <a:prstGeom prst="line">
+                  <a:avLst/>
+                </a:prstGeom>
+                <a:ln w="25400">
+                  <a:solidFill>
+                    <a:srgbClr val="FF99CC"/>
+                  </a:solidFill>
+                </a:ln>
+              </p:spPr>
+              <p:style>
+                <a:lnRef idx="1">
+                  <a:schemeClr val="accent1"/>
+                </a:lnRef>
+                <a:fillRef idx="0">
+                  <a:schemeClr val="accent1"/>
+                </a:fillRef>
+                <a:effectRef idx="0">
+                  <a:schemeClr val="accent1"/>
+                </a:effectRef>
+                <a:fontRef idx="minor">
+                  <a:schemeClr val="tx1"/>
+                </a:fontRef>
+              </p:style>
+            </p:cxnSp>
+            <p:cxnSp>
+              <p:nvCxnSpPr>
+                <p:cNvPr id="163" name="Straight Connector 162"/>
+                <p:cNvCxnSpPr/>
+                <p:nvPr/>
+              </p:nvCxnSpPr>
+              <p:spPr>
+                <a:xfrm rot="2641865" flipV="1">
+                  <a:off x="16448654" y="13632445"/>
+                  <a:ext cx="0" cy="335606"/>
+                </a:xfrm>
+                <a:prstGeom prst="line">
+                  <a:avLst/>
+                </a:prstGeom>
+                <a:ln w="25400">
+                  <a:solidFill>
+                    <a:srgbClr val="FF99CC"/>
+                  </a:solidFill>
+                </a:ln>
+              </p:spPr>
+              <p:style>
+                <a:lnRef idx="1">
+                  <a:schemeClr val="accent1"/>
+                </a:lnRef>
+                <a:fillRef idx="0">
+                  <a:schemeClr val="accent1"/>
+                </a:fillRef>
+                <a:effectRef idx="0">
+                  <a:schemeClr val="accent1"/>
+                </a:effectRef>
+                <a:fontRef idx="minor">
+                  <a:schemeClr val="tx1"/>
+                </a:fontRef>
+              </p:style>
+            </p:cxnSp>
+            <p:cxnSp>
+              <p:nvCxnSpPr>
+                <p:cNvPr id="164" name="Straight Connector 163"/>
+                <p:cNvCxnSpPr/>
+                <p:nvPr/>
+              </p:nvCxnSpPr>
+              <p:spPr>
+                <a:xfrm rot="2641865" flipH="1">
+                  <a:off x="15814769" y="13802523"/>
+                  <a:ext cx="351094" cy="0"/>
+                </a:xfrm>
+                <a:prstGeom prst="line">
+                  <a:avLst/>
+                </a:prstGeom>
+                <a:ln w="25400">
+                  <a:solidFill>
+                    <a:srgbClr val="FF99CC"/>
+                  </a:solidFill>
+                </a:ln>
+              </p:spPr>
+              <p:style>
+                <a:lnRef idx="1">
+                  <a:schemeClr val="accent1"/>
+                </a:lnRef>
+                <a:fillRef idx="0">
+                  <a:schemeClr val="accent1"/>
+                </a:fillRef>
+                <a:effectRef idx="0">
+                  <a:schemeClr val="accent1"/>
+                </a:effectRef>
+                <a:fontRef idx="minor">
+                  <a:schemeClr val="tx1"/>
+                </a:fontRef>
+              </p:style>
+            </p:cxnSp>
+            <p:cxnSp>
+              <p:nvCxnSpPr>
+                <p:cNvPr id="165" name="Straight Connector 164"/>
+                <p:cNvCxnSpPr/>
+                <p:nvPr/>
+              </p:nvCxnSpPr>
+              <p:spPr>
+                <a:xfrm rot="2641865" flipH="1">
+                  <a:off x="16259882" y="13342095"/>
+                  <a:ext cx="351094" cy="0"/>
+                </a:xfrm>
+                <a:prstGeom prst="line">
+                  <a:avLst/>
+                </a:prstGeom>
+                <a:ln w="25400">
+                  <a:solidFill>
+                    <a:srgbClr val="FF99CC"/>
+                  </a:solidFill>
+                </a:ln>
+              </p:spPr>
+              <p:style>
+                <a:lnRef idx="1">
+                  <a:schemeClr val="accent1"/>
+                </a:lnRef>
+                <a:fillRef idx="0">
+                  <a:schemeClr val="accent1"/>
+                </a:fillRef>
+                <a:effectRef idx="0">
+                  <a:schemeClr val="accent1"/>
+                </a:effectRef>
+                <a:fontRef idx="minor">
+                  <a:schemeClr val="tx1"/>
+                </a:fontRef>
+              </p:style>
+            </p:cxnSp>
+            <p:cxnSp>
+              <p:nvCxnSpPr>
+                <p:cNvPr id="166" name="Straight Connector 165"/>
+                <p:cNvCxnSpPr/>
+                <p:nvPr/>
+              </p:nvCxnSpPr>
+              <p:spPr>
+                <a:xfrm rot="2641865" flipH="1" flipV="1">
+                  <a:off x="16218940" y="14206732"/>
+                  <a:ext cx="290699" cy="218340"/>
+                </a:xfrm>
+                <a:prstGeom prst="line">
+                  <a:avLst/>
+                </a:prstGeom>
+                <a:ln w="25400">
+                  <a:solidFill>
+                    <a:schemeClr val="accent6"/>
+                  </a:solidFill>
+                </a:ln>
+              </p:spPr>
+              <p:style>
+                <a:lnRef idx="1">
+                  <a:schemeClr val="accent1"/>
+                </a:lnRef>
+                <a:fillRef idx="0">
+                  <a:schemeClr val="accent1"/>
+                </a:fillRef>
+                <a:effectRef idx="0">
+                  <a:schemeClr val="accent1"/>
+                </a:effectRef>
+                <a:fontRef idx="minor">
+                  <a:schemeClr val="tx1"/>
+                </a:fontRef>
+              </p:style>
+            </p:cxnSp>
+            <p:sp>
+              <p:nvSpPr>
+                <p:cNvPr id="167" name="Oval 166"/>
+                <p:cNvSpPr/>
+                <p:nvPr/>
+              </p:nvSpPr>
+              <p:spPr>
+                <a:xfrm rot="2641865">
+                  <a:off x="16243089" y="14495394"/>
+                  <a:ext cx="304800" cy="304800"/>
+                </a:xfrm>
+                <a:prstGeom prst="ellipse">
+                  <a:avLst/>
+                </a:prstGeom>
+                <a:noFill/>
+                <a:ln>
+                  <a:solidFill>
+                    <a:schemeClr val="accent6"/>
+                  </a:solidFill>
+                </a:ln>
+              </p:spPr>
+              <p:style>
+                <a:lnRef idx="2">
+                  <a:schemeClr val="accent1"/>
+                </a:lnRef>
+                <a:fillRef idx="1">
+                  <a:schemeClr val="lt1"/>
+                </a:fillRef>
+                <a:effectRef idx="0">
+                  <a:schemeClr val="accent1"/>
+                </a:effectRef>
+                <a:fontRef idx="minor">
+                  <a:schemeClr val="dk1"/>
+                </a:fontRef>
+              </p:style>
+              <p:txBody>
+                <a:bodyPr rtlCol="0" anchor="ctr"/>
+                <a:lstStyle/>
+                <a:p>
+                  <a:pPr algn="ctr"/>
+                  <a:endParaRPr lang="en-US"/>
+                </a:p>
+              </p:txBody>
+            </p:sp>
+            <p:sp>
+              <p:nvSpPr>
+                <p:cNvPr id="168" name="Oval 167"/>
+                <p:cNvSpPr/>
+                <p:nvPr/>
+              </p:nvSpPr>
+              <p:spPr>
+                <a:xfrm rot="2641865">
+                  <a:off x="15602457" y="14365516"/>
+                  <a:ext cx="304800" cy="304800"/>
+                </a:xfrm>
+                <a:prstGeom prst="ellipse">
+                  <a:avLst/>
+                </a:prstGeom>
+                <a:noFill/>
+                <a:ln>
+                  <a:solidFill>
+                    <a:schemeClr val="accent6"/>
+                  </a:solidFill>
+                </a:ln>
+              </p:spPr>
+              <p:style>
+                <a:lnRef idx="2">
+                  <a:schemeClr val="accent1"/>
+                </a:lnRef>
+                <a:fillRef idx="1">
+                  <a:schemeClr val="lt1"/>
+                </a:fillRef>
+                <a:effectRef idx="0">
+                  <a:schemeClr val="accent1"/>
+                </a:effectRef>
+                <a:fontRef idx="minor">
+                  <a:schemeClr val="dk1"/>
+                </a:fontRef>
+              </p:style>
+              <p:txBody>
+                <a:bodyPr rtlCol="0" anchor="ctr"/>
+                <a:lstStyle/>
+                <a:p>
+                  <a:pPr algn="ctr"/>
+                  <a:endParaRPr lang="en-US"/>
+                </a:p>
+              </p:txBody>
+            </p:sp>
+            <p:sp>
+              <p:nvSpPr>
+                <p:cNvPr id="169" name="Oval 168"/>
+                <p:cNvSpPr/>
+                <p:nvPr/>
+              </p:nvSpPr>
+              <p:spPr>
+                <a:xfrm rot="2641865">
+                  <a:off x="15130894" y="13909638"/>
+                  <a:ext cx="304800" cy="304800"/>
+                </a:xfrm>
+                <a:prstGeom prst="ellipse">
+                  <a:avLst/>
+                </a:prstGeom>
+                <a:noFill/>
+                <a:ln>
+                  <a:solidFill>
+                    <a:schemeClr val="accent6"/>
+                  </a:solidFill>
+                </a:ln>
+              </p:spPr>
+              <p:style>
+                <a:lnRef idx="2">
+                  <a:schemeClr val="accent1"/>
+                </a:lnRef>
+                <a:fillRef idx="1">
+                  <a:schemeClr val="lt1"/>
+                </a:fillRef>
+                <a:effectRef idx="0">
+                  <a:schemeClr val="accent1"/>
+                </a:effectRef>
+                <a:fontRef idx="minor">
+                  <a:schemeClr val="dk1"/>
+                </a:fontRef>
+              </p:style>
+              <p:txBody>
+                <a:bodyPr rtlCol="0" anchor="ctr"/>
+                <a:lstStyle/>
+                <a:p>
+                  <a:pPr algn="ctr"/>
+                  <a:endParaRPr lang="en-US"/>
+                </a:p>
+              </p:txBody>
+            </p:sp>
+            <p:cxnSp>
+              <p:nvCxnSpPr>
+                <p:cNvPr id="170" name="Straight Connector 169"/>
+                <p:cNvCxnSpPr/>
+                <p:nvPr/>
+              </p:nvCxnSpPr>
+              <p:spPr>
+                <a:xfrm rot="2641865" flipH="1">
+                  <a:off x="15908420" y="14515041"/>
+                  <a:ext cx="290699" cy="244130"/>
+                </a:xfrm>
+                <a:prstGeom prst="line">
+                  <a:avLst/>
+                </a:prstGeom>
+                <a:ln w="25400">
+                  <a:solidFill>
+                    <a:schemeClr val="accent6"/>
+                  </a:solidFill>
+                </a:ln>
+              </p:spPr>
+              <p:style>
+                <a:lnRef idx="1">
+                  <a:schemeClr val="accent1"/>
+                </a:lnRef>
+                <a:fillRef idx="0">
+                  <a:schemeClr val="accent1"/>
+                </a:fillRef>
+                <a:effectRef idx="0">
+                  <a:schemeClr val="accent1"/>
+                </a:effectRef>
+                <a:fontRef idx="minor">
+                  <a:schemeClr val="tx1"/>
+                </a:fontRef>
+              </p:style>
+            </p:cxnSp>
+            <p:cxnSp>
+              <p:nvCxnSpPr>
+                <p:cNvPr id="171" name="Straight Connector 170"/>
+                <p:cNvCxnSpPr/>
+                <p:nvPr/>
+              </p:nvCxnSpPr>
+              <p:spPr>
+                <a:xfrm rot="2641865" flipH="1">
+                  <a:off x="15343529" y="14289977"/>
+                  <a:ext cx="351094" cy="0"/>
+                </a:xfrm>
+                <a:prstGeom prst="line">
+                  <a:avLst/>
+                </a:prstGeom>
+                <a:ln w="25400">
+                  <a:solidFill>
+                    <a:schemeClr val="accent6"/>
+                  </a:solidFill>
+                </a:ln>
+              </p:spPr>
+              <p:style>
+                <a:lnRef idx="1">
+                  <a:schemeClr val="accent1"/>
+                </a:lnRef>
+                <a:fillRef idx="0">
+                  <a:schemeClr val="accent1"/>
+                </a:fillRef>
+                <a:effectRef idx="0">
+                  <a:schemeClr val="accent1"/>
+                </a:effectRef>
+                <a:fontRef idx="minor">
+                  <a:schemeClr val="tx1"/>
+                </a:fontRef>
+              </p:style>
+            </p:cxnSp>
+            <p:cxnSp>
+              <p:nvCxnSpPr>
+                <p:cNvPr id="172" name="Straight Connector 171"/>
+                <p:cNvCxnSpPr/>
+                <p:nvPr/>
+              </p:nvCxnSpPr>
+              <p:spPr>
+                <a:xfrm rot="2641865" flipV="1">
+                  <a:off x="15518914" y="13631713"/>
+                  <a:ext cx="0" cy="373196"/>
+                </a:xfrm>
+                <a:prstGeom prst="line">
+                  <a:avLst/>
+                </a:prstGeom>
+                <a:ln w="25400">
+                  <a:solidFill>
+                    <a:schemeClr val="accent6"/>
+                  </a:solidFill>
+                </a:ln>
+              </p:spPr>
+              <p:style>
+                <a:lnRef idx="1">
+                  <a:schemeClr val="accent1"/>
+                </a:lnRef>
+                <a:fillRef idx="0">
+                  <a:schemeClr val="accent1"/>
+                </a:fillRef>
+                <a:effectRef idx="0">
+                  <a:schemeClr val="accent1"/>
+                </a:effectRef>
+                <a:fontRef idx="minor">
+                  <a:schemeClr val="tx1"/>
+                </a:fontRef>
+              </p:style>
+            </p:cxnSp>
+            <p:cxnSp>
+              <p:nvCxnSpPr>
+                <p:cNvPr id="173" name="Straight Connector 172"/>
+                <p:cNvCxnSpPr/>
+                <p:nvPr/>
+              </p:nvCxnSpPr>
+              <p:spPr>
+                <a:xfrm flipH="1">
+                  <a:off x="15435672" y="14033039"/>
+                  <a:ext cx="638047" cy="26422"/>
+                </a:xfrm>
+                <a:prstGeom prst="line">
+                  <a:avLst/>
+                </a:prstGeom>
+                <a:ln w="25400">
+                  <a:solidFill>
+                    <a:schemeClr val="accent1"/>
+                  </a:solidFill>
+                </a:ln>
+              </p:spPr>
+              <p:style>
+                <a:lnRef idx="1">
+                  <a:schemeClr val="accent1"/>
+                </a:lnRef>
+                <a:fillRef idx="0">
+                  <a:schemeClr val="accent1"/>
+                </a:fillRef>
+                <a:effectRef idx="0">
+                  <a:schemeClr val="accent1"/>
+                </a:effectRef>
+                <a:fontRef idx="minor">
+                  <a:schemeClr val="tx1"/>
+                </a:fontRef>
+              </p:style>
+            </p:cxnSp>
+            <p:cxnSp>
+              <p:nvCxnSpPr>
+                <p:cNvPr id="174" name="Straight Connector 173"/>
+                <p:cNvCxnSpPr/>
+                <p:nvPr/>
+              </p:nvCxnSpPr>
+              <p:spPr>
+                <a:xfrm flipV="1">
+                  <a:off x="15097327" y="14214416"/>
+                  <a:ext cx="188544" cy="518996"/>
+                </a:xfrm>
+                <a:prstGeom prst="line">
+                  <a:avLst/>
+                </a:prstGeom>
+                <a:ln w="25400">
+                  <a:solidFill>
+                    <a:schemeClr val="tx1"/>
+                  </a:solidFill>
+                </a:ln>
+              </p:spPr>
+              <p:style>
+                <a:lnRef idx="1">
+                  <a:schemeClr val="accent1"/>
+                </a:lnRef>
+                <a:fillRef idx="0">
+                  <a:schemeClr val="accent1"/>
+                </a:fillRef>
+                <a:effectRef idx="0">
+                  <a:schemeClr val="accent1"/>
+                </a:effectRef>
+                <a:fontRef idx="minor">
+                  <a:schemeClr val="tx1"/>
+                </a:fontRef>
+              </p:style>
+            </p:cxnSp>
+            <p:sp>
+              <p:nvSpPr>
+                <p:cNvPr id="175" name="Oval 174"/>
+                <p:cNvSpPr/>
+                <p:nvPr/>
+              </p:nvSpPr>
+              <p:spPr>
+                <a:xfrm>
+                  <a:off x="14944927" y="14733412"/>
+                  <a:ext cx="304800" cy="304800"/>
+                </a:xfrm>
+                <a:prstGeom prst="ellipse">
+                  <a:avLst/>
+                </a:prstGeom>
+                <a:noFill/>
+                <a:ln>
+                  <a:solidFill>
+                    <a:schemeClr val="tx1"/>
+                  </a:solidFill>
+                </a:ln>
+              </p:spPr>
+              <p:style>
+                <a:lnRef idx="2">
+                  <a:schemeClr val="accent1"/>
+                </a:lnRef>
+                <a:fillRef idx="1">
+                  <a:schemeClr val="lt1"/>
+                </a:fillRef>
+                <a:effectRef idx="0">
+                  <a:schemeClr val="accent1"/>
+                </a:effectRef>
+                <a:fontRef idx="minor">
+                  <a:schemeClr val="dk1"/>
+                </a:fontRef>
+              </p:style>
+              <p:txBody>
+                <a:bodyPr rtlCol="0" anchor="ctr"/>
+                <a:lstStyle/>
+                <a:p>
+                  <a:pPr algn="ctr"/>
+                  <a:r>
+                    <a:rPr lang="en-US" dirty="0"/>
+                    <a:t> </a:t>
+                  </a:r>
+                </a:p>
+              </p:txBody>
+            </p:sp>
+            <p:cxnSp>
+              <p:nvCxnSpPr>
+                <p:cNvPr id="176" name="Straight Connector 175"/>
+                <p:cNvCxnSpPr/>
+                <p:nvPr/>
+              </p:nvCxnSpPr>
+              <p:spPr>
+                <a:xfrm flipV="1">
+                  <a:off x="15097327" y="14627486"/>
+                  <a:ext cx="551605" cy="105926"/>
+                </a:xfrm>
+                <a:prstGeom prst="line">
+                  <a:avLst/>
+                </a:prstGeom>
+                <a:ln w="25400">
+                  <a:solidFill>
+                    <a:schemeClr val="tx1"/>
+                  </a:solidFill>
+                </a:ln>
+              </p:spPr>
+              <p:style>
+                <a:lnRef idx="1">
+                  <a:schemeClr val="accent1"/>
+                </a:lnRef>
+                <a:fillRef idx="0">
+                  <a:schemeClr val="accent1"/>
+                </a:fillRef>
+                <a:effectRef idx="0">
+                  <a:schemeClr val="accent1"/>
+                </a:effectRef>
+                <a:fontRef idx="minor">
+                  <a:schemeClr val="tx1"/>
+                </a:fontRef>
+              </p:style>
+            </p:cxnSp>
+            <p:cxnSp>
+              <p:nvCxnSpPr>
+                <p:cNvPr id="177" name="Straight Connector 176"/>
+                <p:cNvCxnSpPr/>
+                <p:nvPr/>
+              </p:nvCxnSpPr>
+              <p:spPr>
+                <a:xfrm flipH="1">
+                  <a:off x="15205090" y="14757364"/>
+                  <a:ext cx="1084474" cy="236211"/>
+                </a:xfrm>
+                <a:prstGeom prst="line">
+                  <a:avLst/>
+                </a:prstGeom>
+                <a:ln w="25400">
+                  <a:solidFill>
+                    <a:schemeClr val="tx1"/>
+                  </a:solidFill>
+                </a:ln>
+              </p:spPr>
+              <p:style>
+                <a:lnRef idx="1">
+                  <a:schemeClr val="accent1"/>
+                </a:lnRef>
+                <a:fillRef idx="0">
+                  <a:schemeClr val="accent1"/>
+                </a:fillRef>
+                <a:effectRef idx="0">
+                  <a:schemeClr val="accent1"/>
+                </a:effectRef>
+                <a:fontRef idx="minor">
+                  <a:schemeClr val="tx1"/>
+                </a:fontRef>
+              </p:style>
+            </p:cxnSp>
+          </p:grpSp>
+          <p:grpSp>
+            <p:nvGrpSpPr>
+              <p:cNvPr id="117" name="Group 116"/>
+              <p:cNvGrpSpPr/>
+              <p:nvPr/>
+            </p:nvGrpSpPr>
+            <p:grpSpPr>
+              <a:xfrm>
+                <a:off x="17401297" y="12420600"/>
+                <a:ext cx="1631120" cy="1792102"/>
+                <a:chOff x="17584501" y="13117747"/>
+                <a:chExt cx="1631120" cy="1792102"/>
+              </a:xfrm>
+            </p:grpSpPr>
+            <p:grpSp>
+              <p:nvGrpSpPr>
+                <p:cNvPr id="139" name="Group 138"/>
+                <p:cNvGrpSpPr/>
+                <p:nvPr/>
+              </p:nvGrpSpPr>
+              <p:grpSpPr>
+                <a:xfrm rot="10800000">
+                  <a:off x="17704065" y="13286647"/>
+                  <a:ext cx="1511556" cy="1623202"/>
+                  <a:chOff x="15663916" y="13351944"/>
+                  <a:chExt cx="1511556" cy="1623202"/>
+                </a:xfrm>
+              </p:grpSpPr>
+              <p:sp>
+                <p:nvSpPr>
+                  <p:cNvPr id="143" name="Oval 142"/>
+                  <p:cNvSpPr/>
+                  <p:nvPr/>
+                </p:nvSpPr>
+                <p:spPr>
+                  <a:xfrm>
+                    <a:off x="15663916" y="13351944"/>
+                    <a:ext cx="304800" cy="304800"/>
+                  </a:xfrm>
+                  <a:prstGeom prst="ellipse">
+                    <a:avLst/>
+                  </a:prstGeom>
+                  <a:noFill/>
+                  <a:ln>
+                    <a:solidFill>
+                      <a:srgbClr val="FF99CC"/>
+                    </a:solidFill>
+                  </a:ln>
+                </p:spPr>
+                <p:style>
+                  <a:lnRef idx="2">
+                    <a:schemeClr val="accent1"/>
+                  </a:lnRef>
+                  <a:fillRef idx="1">
+                    <a:schemeClr val="lt1"/>
+                  </a:fillRef>
+                  <a:effectRef idx="0">
+                    <a:schemeClr val="accent1"/>
+                  </a:effectRef>
+                  <a:fontRef idx="minor">
+                    <a:schemeClr val="dk1"/>
+                  </a:fontRef>
+                </p:style>
+                <p:txBody>
+                  <a:bodyPr rtlCol="0" anchor="ctr"/>
+                  <a:lstStyle/>
+                  <a:p>
+                    <a:pPr algn="ctr"/>
+                    <a:endParaRPr lang="en-US"/>
+                  </a:p>
+                </p:txBody>
+              </p:sp>
+              <p:sp>
+                <p:nvSpPr>
+                  <p:cNvPr id="144" name="Oval 143"/>
+                  <p:cNvSpPr/>
+                  <p:nvPr/>
+                </p:nvSpPr>
+                <p:spPr>
+                  <a:xfrm>
+                    <a:off x="16319810" y="13351944"/>
+                    <a:ext cx="304800" cy="304800"/>
+                  </a:xfrm>
+                  <a:prstGeom prst="ellipse">
+                    <a:avLst/>
+                  </a:prstGeom>
+                  <a:noFill/>
+                  <a:ln>
+                    <a:solidFill>
+                      <a:srgbClr val="FF99CC"/>
+                    </a:solidFill>
+                  </a:ln>
+                </p:spPr>
+                <p:style>
+                  <a:lnRef idx="2">
+                    <a:schemeClr val="accent1"/>
+                  </a:lnRef>
+                  <a:fillRef idx="1">
+                    <a:schemeClr val="lt1"/>
+                  </a:fillRef>
+                  <a:effectRef idx="0">
+                    <a:schemeClr val="accent1"/>
+                  </a:effectRef>
+                  <a:fontRef idx="minor">
+                    <a:schemeClr val="dk1"/>
+                  </a:fontRef>
+                </p:style>
+                <p:txBody>
+                  <a:bodyPr rtlCol="0" anchor="ctr"/>
+                  <a:lstStyle/>
+                  <a:p>
+                    <a:pPr algn="ctr"/>
+                    <a:endParaRPr lang="en-US"/>
+                  </a:p>
+                </p:txBody>
+              </p:sp>
+              <p:sp>
+                <p:nvSpPr>
+                  <p:cNvPr id="145" name="Oval 144"/>
+                  <p:cNvSpPr/>
+                  <p:nvPr/>
+                </p:nvSpPr>
+                <p:spPr>
+                  <a:xfrm>
+                    <a:off x="16319810" y="13992350"/>
+                    <a:ext cx="304800" cy="304800"/>
+                  </a:xfrm>
+                  <a:prstGeom prst="ellipse">
+                    <a:avLst/>
+                  </a:prstGeom>
+                  <a:noFill/>
+                  <a:ln>
+                    <a:solidFill>
+                      <a:srgbClr val="FF99CC"/>
+                    </a:solidFill>
+                  </a:ln>
+                </p:spPr>
+                <p:style>
+                  <a:lnRef idx="2">
+                    <a:schemeClr val="accent1"/>
+                  </a:lnRef>
+                  <a:fillRef idx="1">
+                    <a:schemeClr val="lt1"/>
+                  </a:fillRef>
+                  <a:effectRef idx="0">
+                    <a:schemeClr val="accent1"/>
+                  </a:effectRef>
+                  <a:fontRef idx="minor">
+                    <a:schemeClr val="dk1"/>
+                  </a:fontRef>
+                </p:style>
+                <p:txBody>
+                  <a:bodyPr rtlCol="0" anchor="ctr"/>
+                  <a:lstStyle/>
+                  <a:p>
+                    <a:pPr algn="ctr"/>
+                    <a:endParaRPr lang="en-US"/>
+                  </a:p>
+                </p:txBody>
+              </p:sp>
+              <p:sp>
+                <p:nvSpPr>
+                  <p:cNvPr id="146" name="Oval 145"/>
+                  <p:cNvSpPr/>
+                  <p:nvPr/>
+                </p:nvSpPr>
+                <p:spPr>
+                  <a:xfrm>
+                    <a:off x="15663916" y="13992350"/>
+                    <a:ext cx="304800" cy="304800"/>
+                  </a:xfrm>
+                  <a:prstGeom prst="ellipse">
+                    <a:avLst/>
+                  </a:prstGeom>
+                  <a:noFill/>
+                  <a:ln>
+                    <a:solidFill>
+                      <a:srgbClr val="FF99CC"/>
+                    </a:solidFill>
+                  </a:ln>
+                </p:spPr>
+                <p:style>
+                  <a:lnRef idx="2">
+                    <a:schemeClr val="accent1"/>
+                  </a:lnRef>
+                  <a:fillRef idx="1">
+                    <a:schemeClr val="lt1"/>
+                  </a:fillRef>
+                  <a:effectRef idx="0">
+                    <a:schemeClr val="accent1"/>
+                  </a:effectRef>
+                  <a:fontRef idx="minor">
+                    <a:schemeClr val="dk1"/>
+                  </a:fontRef>
+                </p:style>
+                <p:txBody>
+                  <a:bodyPr rtlCol="0" anchor="ctr"/>
+                  <a:lstStyle/>
+                  <a:p>
+                    <a:pPr algn="ctr"/>
+                    <a:endParaRPr lang="en-US"/>
+                  </a:p>
+                </p:txBody>
+              </p:sp>
+              <p:cxnSp>
+                <p:nvCxnSpPr>
+                  <p:cNvPr id="147" name="Straight Connector 146"/>
+                  <p:cNvCxnSpPr/>
+                  <p:nvPr/>
+                </p:nvCxnSpPr>
+                <p:spPr>
+                  <a:xfrm flipV="1">
+                    <a:off x="15816316" y="13656744"/>
+                    <a:ext cx="0" cy="335606"/>
+                  </a:xfrm>
+                  <a:prstGeom prst="line">
+                    <a:avLst/>
+                  </a:prstGeom>
+                  <a:ln w="25400">
+                    <a:solidFill>
+                      <a:srgbClr val="FF99CC"/>
+                    </a:solidFill>
+                  </a:ln>
+                </p:spPr>
+                <p:style>
+                  <a:lnRef idx="1">
+                    <a:schemeClr val="accent1"/>
+                  </a:lnRef>
+                  <a:fillRef idx="0">
+                    <a:schemeClr val="accent1"/>
+                  </a:fillRef>
+                  <a:effectRef idx="0">
+                    <a:schemeClr val="accent1"/>
+                  </a:effectRef>
+                  <a:fontRef idx="minor">
+                    <a:schemeClr val="tx1"/>
+                  </a:fontRef>
+                </p:style>
+              </p:cxnSp>
+              <p:cxnSp>
+                <p:nvCxnSpPr>
+                  <p:cNvPr id="148" name="Straight Connector 147"/>
+                  <p:cNvCxnSpPr/>
+                  <p:nvPr/>
+                </p:nvCxnSpPr>
+                <p:spPr>
+                  <a:xfrm flipV="1">
+                    <a:off x="16472210" y="13656744"/>
+                    <a:ext cx="0" cy="335606"/>
+                  </a:xfrm>
+                  <a:prstGeom prst="line">
+                    <a:avLst/>
+                  </a:prstGeom>
+                  <a:ln w="25400">
+                    <a:solidFill>
+                      <a:srgbClr val="FF99CC"/>
+                    </a:solidFill>
+                  </a:ln>
+                </p:spPr>
+                <p:style>
+                  <a:lnRef idx="1">
+                    <a:schemeClr val="accent1"/>
+                  </a:lnRef>
+                  <a:fillRef idx="0">
+                    <a:schemeClr val="accent1"/>
+                  </a:fillRef>
+                  <a:effectRef idx="0">
+                    <a:schemeClr val="accent1"/>
+                  </a:effectRef>
+                  <a:fontRef idx="minor">
+                    <a:schemeClr val="tx1"/>
+                  </a:fontRef>
+                </p:style>
+              </p:cxnSp>
+              <p:cxnSp>
+                <p:nvCxnSpPr>
+                  <p:cNvPr id="149" name="Straight Connector 148"/>
+                  <p:cNvCxnSpPr/>
+                  <p:nvPr/>
+                </p:nvCxnSpPr>
+                <p:spPr>
+                  <a:xfrm flipH="1">
+                    <a:off x="15968716" y="14144750"/>
+                    <a:ext cx="351094" cy="0"/>
+                  </a:xfrm>
+                  <a:prstGeom prst="line">
+                    <a:avLst/>
+                  </a:prstGeom>
+                  <a:ln w="25400">
+                    <a:solidFill>
+                      <a:srgbClr val="FF99CC"/>
+                    </a:solidFill>
+                  </a:ln>
+                </p:spPr>
+                <p:style>
+                  <a:lnRef idx="1">
+                    <a:schemeClr val="accent1"/>
+                  </a:lnRef>
+                  <a:fillRef idx="0">
+                    <a:schemeClr val="accent1"/>
+                  </a:fillRef>
+                  <a:effectRef idx="0">
+                    <a:schemeClr val="accent1"/>
+                  </a:effectRef>
+                  <a:fontRef idx="minor">
+                    <a:schemeClr val="tx1"/>
+                  </a:fontRef>
+                </p:style>
+              </p:cxnSp>
+              <p:cxnSp>
+                <p:nvCxnSpPr>
+                  <p:cNvPr id="150" name="Straight Connector 149"/>
+                  <p:cNvCxnSpPr/>
+                  <p:nvPr/>
+                </p:nvCxnSpPr>
+                <p:spPr>
+                  <a:xfrm flipH="1">
+                    <a:off x="15968716" y="13504344"/>
+                    <a:ext cx="351094" cy="0"/>
+                  </a:xfrm>
+                  <a:prstGeom prst="line">
+                    <a:avLst/>
+                  </a:prstGeom>
+                  <a:ln w="25400">
+                    <a:solidFill>
+                      <a:srgbClr val="FF99CC"/>
+                    </a:solidFill>
+                  </a:ln>
+                </p:spPr>
+                <p:style>
+                  <a:lnRef idx="1">
+                    <a:schemeClr val="accent1"/>
+                  </a:lnRef>
+                  <a:fillRef idx="0">
+                    <a:schemeClr val="accent1"/>
+                  </a:fillRef>
+                  <a:effectRef idx="0">
+                    <a:schemeClr val="accent1"/>
+                  </a:effectRef>
+                  <a:fontRef idx="minor">
+                    <a:schemeClr val="tx1"/>
+                  </a:fontRef>
+                </p:style>
+              </p:cxnSp>
+              <p:cxnSp>
+                <p:nvCxnSpPr>
+                  <p:cNvPr id="151" name="Straight Connector 150"/>
+                  <p:cNvCxnSpPr/>
+                  <p:nvPr/>
+                </p:nvCxnSpPr>
+                <p:spPr>
+                  <a:xfrm flipH="1" flipV="1">
+                    <a:off x="16624610" y="14144750"/>
+                    <a:ext cx="290699" cy="218340"/>
+                  </a:xfrm>
+                  <a:prstGeom prst="line">
+                    <a:avLst/>
+                  </a:prstGeom>
+                  <a:ln w="25400">
+                    <a:solidFill>
+                      <a:schemeClr val="accent6"/>
+                    </a:solidFill>
+                  </a:ln>
+                </p:spPr>
+                <p:style>
+                  <a:lnRef idx="1">
+                    <a:schemeClr val="accent1"/>
+                  </a:lnRef>
+                  <a:fillRef idx="0">
+                    <a:schemeClr val="accent1"/>
+                  </a:fillRef>
+                  <a:effectRef idx="0">
+                    <a:schemeClr val="accent1"/>
+                  </a:effectRef>
+                  <a:fontRef idx="minor">
+                    <a:schemeClr val="tx1"/>
+                  </a:fontRef>
+                </p:style>
+              </p:cxnSp>
+              <p:sp>
+                <p:nvSpPr>
+                  <p:cNvPr id="152" name="Oval 151"/>
+                  <p:cNvSpPr/>
+                  <p:nvPr/>
+                </p:nvSpPr>
+                <p:spPr>
+                  <a:xfrm>
+                    <a:off x="16870672" y="14318453"/>
+                    <a:ext cx="304800" cy="304800"/>
+                  </a:xfrm>
+                  <a:prstGeom prst="ellipse">
+                    <a:avLst/>
+                  </a:prstGeom>
+                  <a:noFill/>
+                  <a:ln>
+                    <a:solidFill>
+                      <a:schemeClr val="accent6"/>
+                    </a:solidFill>
+                  </a:ln>
+                </p:spPr>
+                <p:style>
+                  <a:lnRef idx="2">
+                    <a:schemeClr val="accent1"/>
+                  </a:lnRef>
+                  <a:fillRef idx="1">
+                    <a:schemeClr val="lt1"/>
+                  </a:fillRef>
+                  <a:effectRef idx="0">
+                    <a:schemeClr val="accent1"/>
+                  </a:effectRef>
+                  <a:fontRef idx="minor">
+                    <a:schemeClr val="dk1"/>
+                  </a:fontRef>
+                </p:style>
+                <p:txBody>
+                  <a:bodyPr rtlCol="0" anchor="ctr"/>
+                  <a:lstStyle/>
+                  <a:p>
+                    <a:pPr algn="ctr"/>
+                    <a:endParaRPr lang="en-US"/>
+                  </a:p>
+                </p:txBody>
+              </p:sp>
+              <p:sp>
+                <p:nvSpPr>
+                  <p:cNvPr id="153" name="Oval 152"/>
+                  <p:cNvSpPr/>
+                  <p:nvPr/>
+                </p:nvSpPr>
+                <p:spPr>
+                  <a:xfrm>
+                    <a:off x="16319810" y="14670346"/>
+                    <a:ext cx="304800" cy="304800"/>
+                  </a:xfrm>
+                  <a:prstGeom prst="ellipse">
+                    <a:avLst/>
+                  </a:prstGeom>
+                  <a:noFill/>
+                  <a:ln>
+                    <a:solidFill>
+                      <a:schemeClr val="accent6"/>
+                    </a:solidFill>
+                  </a:ln>
+                </p:spPr>
+                <p:style>
+                  <a:lnRef idx="2">
+                    <a:schemeClr val="accent1"/>
+                  </a:lnRef>
+                  <a:fillRef idx="1">
+                    <a:schemeClr val="lt1"/>
+                  </a:fillRef>
+                  <a:effectRef idx="0">
+                    <a:schemeClr val="accent1"/>
+                  </a:effectRef>
+                  <a:fontRef idx="minor">
+                    <a:schemeClr val="dk1"/>
+                  </a:fontRef>
+                </p:style>
+                <p:txBody>
+                  <a:bodyPr rtlCol="0" anchor="ctr"/>
+                  <a:lstStyle/>
+                  <a:p>
+                    <a:pPr algn="ctr"/>
+                    <a:endParaRPr lang="en-US"/>
+                  </a:p>
+                </p:txBody>
+              </p:sp>
+              <p:sp>
+                <p:nvSpPr>
+                  <p:cNvPr id="154" name="Oval 153"/>
+                  <p:cNvSpPr/>
+                  <p:nvPr/>
+                </p:nvSpPr>
+                <p:spPr>
+                  <a:xfrm>
+                    <a:off x="15663916" y="14670346"/>
+                    <a:ext cx="304800" cy="304800"/>
+                  </a:xfrm>
+                  <a:prstGeom prst="ellipse">
+                    <a:avLst/>
+                  </a:prstGeom>
+                  <a:noFill/>
+                  <a:ln>
+                    <a:solidFill>
+                      <a:schemeClr val="accent6"/>
+                    </a:solidFill>
+                  </a:ln>
+                </p:spPr>
+                <p:style>
+                  <a:lnRef idx="2">
+                    <a:schemeClr val="accent1"/>
+                  </a:lnRef>
+                  <a:fillRef idx="1">
+                    <a:schemeClr val="lt1"/>
+                  </a:fillRef>
+                  <a:effectRef idx="0">
+                    <a:schemeClr val="accent1"/>
+                  </a:effectRef>
+                  <a:fontRef idx="minor">
+                    <a:schemeClr val="dk1"/>
+                  </a:fontRef>
+                </p:style>
+                <p:txBody>
+                  <a:bodyPr rtlCol="0" anchor="ctr"/>
+                  <a:lstStyle/>
+                  <a:p>
+                    <a:pPr algn="ctr"/>
+                    <a:endParaRPr lang="en-US"/>
+                  </a:p>
+                </p:txBody>
+              </p:sp>
+              <p:cxnSp>
+                <p:nvCxnSpPr>
+                  <p:cNvPr id="155" name="Straight Connector 154"/>
+                  <p:cNvCxnSpPr/>
+                  <p:nvPr/>
+                </p:nvCxnSpPr>
+                <p:spPr>
+                  <a:xfrm flipH="1">
+                    <a:off x="16624610" y="14578616"/>
+                    <a:ext cx="290699" cy="244130"/>
+                  </a:xfrm>
+                  <a:prstGeom prst="line">
+                    <a:avLst/>
+                  </a:prstGeom>
+                  <a:ln w="25400">
+                    <a:solidFill>
+                      <a:schemeClr val="accent6"/>
+                    </a:solidFill>
+                  </a:ln>
+                </p:spPr>
+                <p:style>
+                  <a:lnRef idx="1">
+                    <a:schemeClr val="accent1"/>
+                  </a:lnRef>
+                  <a:fillRef idx="0">
+                    <a:schemeClr val="accent1"/>
+                  </a:fillRef>
+                  <a:effectRef idx="0">
+                    <a:schemeClr val="accent1"/>
+                  </a:effectRef>
+                  <a:fontRef idx="minor">
+                    <a:schemeClr val="tx1"/>
+                  </a:fontRef>
+                </p:style>
+              </p:cxnSp>
+              <p:cxnSp>
+                <p:nvCxnSpPr>
+                  <p:cNvPr id="156" name="Straight Connector 155"/>
+                  <p:cNvCxnSpPr/>
+                  <p:nvPr/>
+                </p:nvCxnSpPr>
+                <p:spPr>
+                  <a:xfrm flipH="1">
+                    <a:off x="15968716" y="14822746"/>
+                    <a:ext cx="351094" cy="0"/>
+                  </a:xfrm>
+                  <a:prstGeom prst="line">
+                    <a:avLst/>
+                  </a:prstGeom>
+                  <a:ln w="25400">
+                    <a:solidFill>
+                      <a:schemeClr val="accent6"/>
+                    </a:solidFill>
+                  </a:ln>
+                </p:spPr>
+                <p:style>
+                  <a:lnRef idx="1">
+                    <a:schemeClr val="accent1"/>
+                  </a:lnRef>
+                  <a:fillRef idx="0">
+                    <a:schemeClr val="accent1"/>
+                  </a:fillRef>
+                  <a:effectRef idx="0">
+                    <a:schemeClr val="accent1"/>
+                  </a:effectRef>
+                  <a:fontRef idx="minor">
+                    <a:schemeClr val="tx1"/>
+                  </a:fontRef>
+                </p:style>
+              </p:cxnSp>
+              <p:cxnSp>
+                <p:nvCxnSpPr>
+                  <p:cNvPr id="157" name="Straight Connector 156"/>
+                  <p:cNvCxnSpPr/>
+                  <p:nvPr/>
+                </p:nvCxnSpPr>
+                <p:spPr>
+                  <a:xfrm flipV="1">
+                    <a:off x="15816316" y="14297150"/>
+                    <a:ext cx="0" cy="373196"/>
+                  </a:xfrm>
+                  <a:prstGeom prst="line">
+                    <a:avLst/>
+                  </a:prstGeom>
+                  <a:ln w="25400">
+                    <a:solidFill>
+                      <a:schemeClr val="accent6"/>
+                    </a:solidFill>
+                  </a:ln>
+                </p:spPr>
+                <p:style>
+                  <a:lnRef idx="1">
+                    <a:schemeClr val="accent1"/>
+                  </a:lnRef>
+                  <a:fillRef idx="0">
+                    <a:schemeClr val="accent1"/>
+                  </a:fillRef>
+                  <a:effectRef idx="0">
+                    <a:schemeClr val="accent1"/>
+                  </a:effectRef>
+                  <a:fontRef idx="minor">
+                    <a:schemeClr val="tx1"/>
+                  </a:fontRef>
+                </p:style>
+              </p:cxnSp>
+            </p:grpSp>
+            <p:cxnSp>
+              <p:nvCxnSpPr>
+                <p:cNvPr id="140" name="Straight Connector 139"/>
+                <p:cNvCxnSpPr/>
+                <p:nvPr/>
+              </p:nvCxnSpPr>
+              <p:spPr>
+                <a:xfrm flipH="1" flipV="1">
+                  <a:off x="18515090" y="14224806"/>
+                  <a:ext cx="440368" cy="424880"/>
+                </a:xfrm>
+                <a:prstGeom prst="line">
+                  <a:avLst/>
+                </a:prstGeom>
+                <a:ln w="25400">
+                  <a:solidFill>
+                    <a:schemeClr val="accent1"/>
+                  </a:solidFill>
+                </a:ln>
+              </p:spPr>
+              <p:style>
+                <a:lnRef idx="1">
+                  <a:schemeClr val="accent1"/>
+                </a:lnRef>
+                <a:fillRef idx="0">
+                  <a:schemeClr val="accent1"/>
+                </a:fillRef>
+                <a:effectRef idx="0">
+                  <a:schemeClr val="accent1"/>
+                </a:effectRef>
+                <a:fontRef idx="minor">
+                  <a:schemeClr val="tx1"/>
+                </a:fontRef>
+              </p:style>
+            </p:cxnSp>
+            <p:sp>
+              <p:nvSpPr>
+                <p:cNvPr id="141" name="Oval 140"/>
+                <p:cNvSpPr/>
+                <p:nvPr/>
+              </p:nvSpPr>
+              <p:spPr>
+                <a:xfrm>
+                  <a:off x="17584501" y="13117747"/>
+                  <a:ext cx="304800" cy="304800"/>
+                </a:xfrm>
+                <a:prstGeom prst="ellipse">
+                  <a:avLst/>
+                </a:prstGeom>
+                <a:noFill/>
+                <a:ln>
+                  <a:solidFill>
+                    <a:schemeClr val="tx1"/>
+                  </a:solidFill>
+                </a:ln>
+              </p:spPr>
+              <p:style>
+                <a:lnRef idx="2">
+                  <a:schemeClr val="accent1"/>
+                </a:lnRef>
+                <a:fillRef idx="1">
+                  <a:schemeClr val="lt1"/>
+                </a:fillRef>
+                <a:effectRef idx="0">
+                  <a:schemeClr val="accent1"/>
+                </a:effectRef>
+                <a:fontRef idx="minor">
+                  <a:schemeClr val="dk1"/>
+                </a:fontRef>
+              </p:style>
+              <p:txBody>
+                <a:bodyPr rtlCol="0" anchor="ctr"/>
+                <a:lstStyle/>
+                <a:p>
+                  <a:pPr algn="ctr"/>
+                  <a:r>
+                    <a:rPr lang="en-US" dirty="0"/>
+                    <a:t> </a:t>
+                  </a:r>
+                </a:p>
+              </p:txBody>
+            </p:sp>
+            <p:cxnSp>
+              <p:nvCxnSpPr>
+                <p:cNvPr id="142" name="Straight Connector 141"/>
+                <p:cNvCxnSpPr/>
+                <p:nvPr/>
+              </p:nvCxnSpPr>
+              <p:spPr>
+                <a:xfrm>
+                  <a:off x="17889301" y="13270147"/>
+                  <a:ext cx="365626" cy="168900"/>
+                </a:xfrm>
+                <a:prstGeom prst="line">
+                  <a:avLst/>
+                </a:prstGeom>
+                <a:ln w="25400">
+                  <a:solidFill>
+                    <a:schemeClr val="tx1"/>
+                  </a:solidFill>
+                </a:ln>
+              </p:spPr>
+              <p:style>
+                <a:lnRef idx="1">
+                  <a:schemeClr val="accent1"/>
+                </a:lnRef>
+                <a:fillRef idx="0">
+                  <a:schemeClr val="accent1"/>
+                </a:fillRef>
+                <a:effectRef idx="0">
+                  <a:schemeClr val="accent1"/>
+                </a:effectRef>
+                <a:fontRef idx="minor">
+                  <a:schemeClr val="tx1"/>
+                </a:fontRef>
+              </p:style>
+            </p:cxnSp>
+          </p:grpSp>
+          <p:grpSp>
+            <p:nvGrpSpPr>
+              <p:cNvPr id="118" name="Group 117"/>
+              <p:cNvGrpSpPr/>
+              <p:nvPr/>
+            </p:nvGrpSpPr>
+            <p:grpSpPr>
+              <a:xfrm>
+                <a:off x="19986851" y="12357151"/>
+                <a:ext cx="1679500" cy="1969440"/>
+                <a:chOff x="20341125" y="13297488"/>
+                <a:chExt cx="1679500" cy="1969440"/>
+              </a:xfrm>
+            </p:grpSpPr>
+            <p:grpSp>
+              <p:nvGrpSpPr>
+                <p:cNvPr id="119" name="Group 118"/>
+                <p:cNvGrpSpPr/>
+                <p:nvPr/>
+              </p:nvGrpSpPr>
+              <p:grpSpPr>
+                <a:xfrm rot="18230595">
+                  <a:off x="20453246" y="13241665"/>
+                  <a:ext cx="1511556" cy="1623202"/>
+                  <a:chOff x="15663916" y="13351944"/>
+                  <a:chExt cx="1511556" cy="1623202"/>
+                </a:xfrm>
+              </p:grpSpPr>
+              <p:sp>
+                <p:nvSpPr>
+                  <p:cNvPr id="124" name="Oval 123"/>
+                  <p:cNvSpPr/>
+                  <p:nvPr/>
+                </p:nvSpPr>
+                <p:spPr>
+                  <a:xfrm>
+                    <a:off x="15663916" y="13351944"/>
+                    <a:ext cx="304800" cy="304800"/>
+                  </a:xfrm>
+                  <a:prstGeom prst="ellipse">
+                    <a:avLst/>
+                  </a:prstGeom>
+                  <a:noFill/>
+                  <a:ln>
+                    <a:solidFill>
+                      <a:srgbClr val="FF99CC"/>
+                    </a:solidFill>
+                  </a:ln>
+                </p:spPr>
+                <p:style>
+                  <a:lnRef idx="2">
+                    <a:schemeClr val="accent1"/>
+                  </a:lnRef>
+                  <a:fillRef idx="1">
+                    <a:schemeClr val="lt1"/>
+                  </a:fillRef>
+                  <a:effectRef idx="0">
+                    <a:schemeClr val="accent1"/>
+                  </a:effectRef>
+                  <a:fontRef idx="minor">
+                    <a:schemeClr val="dk1"/>
+                  </a:fontRef>
+                </p:style>
+                <p:txBody>
+                  <a:bodyPr rtlCol="0" anchor="ctr"/>
+                  <a:lstStyle/>
+                  <a:p>
+                    <a:pPr algn="ctr"/>
+                    <a:endParaRPr lang="en-US"/>
+                  </a:p>
+                </p:txBody>
+              </p:sp>
+              <p:sp>
+                <p:nvSpPr>
+                  <p:cNvPr id="125" name="Oval 124"/>
+                  <p:cNvSpPr/>
+                  <p:nvPr/>
+                </p:nvSpPr>
+                <p:spPr>
+                  <a:xfrm>
+                    <a:off x="16319810" y="13351944"/>
+                    <a:ext cx="304800" cy="304800"/>
+                  </a:xfrm>
+                  <a:prstGeom prst="ellipse">
+                    <a:avLst/>
+                  </a:prstGeom>
+                  <a:noFill/>
+                  <a:ln>
+                    <a:solidFill>
+                      <a:srgbClr val="FF99CC"/>
+                    </a:solidFill>
+                  </a:ln>
+                </p:spPr>
+                <p:style>
+                  <a:lnRef idx="2">
+                    <a:schemeClr val="accent1"/>
+                  </a:lnRef>
+                  <a:fillRef idx="1">
+                    <a:schemeClr val="lt1"/>
+                  </a:fillRef>
+                  <a:effectRef idx="0">
+                    <a:schemeClr val="accent1"/>
+                  </a:effectRef>
+                  <a:fontRef idx="minor">
+                    <a:schemeClr val="dk1"/>
+                  </a:fontRef>
+                </p:style>
+                <p:txBody>
+                  <a:bodyPr rtlCol="0" anchor="ctr"/>
+                  <a:lstStyle/>
+                  <a:p>
+                    <a:pPr algn="ctr"/>
+                    <a:endParaRPr lang="en-US"/>
+                  </a:p>
+                </p:txBody>
+              </p:sp>
+              <p:sp>
+                <p:nvSpPr>
+                  <p:cNvPr id="126" name="Oval 125"/>
+                  <p:cNvSpPr/>
+                  <p:nvPr/>
+                </p:nvSpPr>
+                <p:spPr>
+                  <a:xfrm>
+                    <a:off x="16319810" y="13992350"/>
+                    <a:ext cx="304800" cy="304800"/>
+                  </a:xfrm>
+                  <a:prstGeom prst="ellipse">
+                    <a:avLst/>
+                  </a:prstGeom>
+                  <a:noFill/>
+                  <a:ln>
+                    <a:solidFill>
+                      <a:srgbClr val="FF99CC"/>
+                    </a:solidFill>
+                  </a:ln>
+                </p:spPr>
+                <p:style>
+                  <a:lnRef idx="2">
+                    <a:schemeClr val="accent1"/>
+                  </a:lnRef>
+                  <a:fillRef idx="1">
+                    <a:schemeClr val="lt1"/>
+                  </a:fillRef>
+                  <a:effectRef idx="0">
+                    <a:schemeClr val="accent1"/>
+                  </a:effectRef>
+                  <a:fontRef idx="minor">
+                    <a:schemeClr val="dk1"/>
+                  </a:fontRef>
+                </p:style>
+                <p:txBody>
+                  <a:bodyPr rtlCol="0" anchor="ctr"/>
+                  <a:lstStyle/>
+                  <a:p>
+                    <a:pPr algn="ctr"/>
+                    <a:endParaRPr lang="en-US"/>
+                  </a:p>
+                </p:txBody>
+              </p:sp>
+              <p:sp>
+                <p:nvSpPr>
+                  <p:cNvPr id="127" name="Oval 126"/>
+                  <p:cNvSpPr/>
+                  <p:nvPr/>
+                </p:nvSpPr>
+                <p:spPr>
+                  <a:xfrm>
+                    <a:off x="15663916" y="13992350"/>
+                    <a:ext cx="304800" cy="304800"/>
+                  </a:xfrm>
+                  <a:prstGeom prst="ellipse">
+                    <a:avLst/>
+                  </a:prstGeom>
+                  <a:noFill/>
+                  <a:ln>
+                    <a:solidFill>
+                      <a:srgbClr val="FF99CC"/>
+                    </a:solidFill>
+                  </a:ln>
+                </p:spPr>
+                <p:style>
+                  <a:lnRef idx="2">
+                    <a:schemeClr val="accent1"/>
+                  </a:lnRef>
+                  <a:fillRef idx="1">
+                    <a:schemeClr val="lt1"/>
+                  </a:fillRef>
+                  <a:effectRef idx="0">
+                    <a:schemeClr val="accent1"/>
+                  </a:effectRef>
+                  <a:fontRef idx="minor">
+                    <a:schemeClr val="dk1"/>
+                  </a:fontRef>
+                </p:style>
+                <p:txBody>
+                  <a:bodyPr rtlCol="0" anchor="ctr"/>
+                  <a:lstStyle/>
+                  <a:p>
+                    <a:pPr algn="ctr"/>
+                    <a:endParaRPr lang="en-US"/>
+                  </a:p>
+                </p:txBody>
+              </p:sp>
+              <p:cxnSp>
+                <p:nvCxnSpPr>
+                  <p:cNvPr id="128" name="Straight Connector 127"/>
+                  <p:cNvCxnSpPr/>
+                  <p:nvPr/>
+                </p:nvCxnSpPr>
+                <p:spPr>
+                  <a:xfrm flipV="1">
+                    <a:off x="15816316" y="13656744"/>
+                    <a:ext cx="0" cy="335606"/>
+                  </a:xfrm>
+                  <a:prstGeom prst="line">
+                    <a:avLst/>
+                  </a:prstGeom>
+                  <a:ln w="25400">
+                    <a:solidFill>
+                      <a:srgbClr val="FF99CC"/>
+                    </a:solidFill>
+                  </a:ln>
+                </p:spPr>
+                <p:style>
+                  <a:lnRef idx="1">
+                    <a:schemeClr val="accent1"/>
+                  </a:lnRef>
+                  <a:fillRef idx="0">
+                    <a:schemeClr val="accent1"/>
+                  </a:fillRef>
+                  <a:effectRef idx="0">
+                    <a:schemeClr val="accent1"/>
+                  </a:effectRef>
+                  <a:fontRef idx="minor">
+                    <a:schemeClr val="tx1"/>
+                  </a:fontRef>
+                </p:style>
+              </p:cxnSp>
+              <p:cxnSp>
+                <p:nvCxnSpPr>
+                  <p:cNvPr id="129" name="Straight Connector 128"/>
+                  <p:cNvCxnSpPr/>
+                  <p:nvPr/>
+                </p:nvCxnSpPr>
+                <p:spPr>
+                  <a:xfrm flipV="1">
+                    <a:off x="16472210" y="13656744"/>
+                    <a:ext cx="0" cy="335606"/>
+                  </a:xfrm>
+                  <a:prstGeom prst="line">
+                    <a:avLst/>
+                  </a:prstGeom>
+                  <a:ln w="25400">
+                    <a:solidFill>
+                      <a:srgbClr val="FF99CC"/>
+                    </a:solidFill>
+                  </a:ln>
+                </p:spPr>
+                <p:style>
+                  <a:lnRef idx="1">
+                    <a:schemeClr val="accent1"/>
+                  </a:lnRef>
+                  <a:fillRef idx="0">
+                    <a:schemeClr val="accent1"/>
+                  </a:fillRef>
+                  <a:effectRef idx="0">
+                    <a:schemeClr val="accent1"/>
+                  </a:effectRef>
+                  <a:fontRef idx="minor">
+                    <a:schemeClr val="tx1"/>
+                  </a:fontRef>
+                </p:style>
+              </p:cxnSp>
+              <p:cxnSp>
+                <p:nvCxnSpPr>
+                  <p:cNvPr id="130" name="Straight Connector 129"/>
+                  <p:cNvCxnSpPr/>
+                  <p:nvPr/>
+                </p:nvCxnSpPr>
+                <p:spPr>
+                  <a:xfrm flipH="1">
+                    <a:off x="15968716" y="14144750"/>
+                    <a:ext cx="351094" cy="0"/>
+                  </a:xfrm>
+                  <a:prstGeom prst="line">
+                    <a:avLst/>
+                  </a:prstGeom>
+                  <a:ln w="25400">
+                    <a:solidFill>
+                      <a:srgbClr val="FF99CC"/>
+                    </a:solidFill>
+                  </a:ln>
+                </p:spPr>
+                <p:style>
+                  <a:lnRef idx="1">
+                    <a:schemeClr val="accent1"/>
+                  </a:lnRef>
+                  <a:fillRef idx="0">
+                    <a:schemeClr val="accent1"/>
+                  </a:fillRef>
+                  <a:effectRef idx="0">
+                    <a:schemeClr val="accent1"/>
+                  </a:effectRef>
+                  <a:fontRef idx="minor">
+                    <a:schemeClr val="tx1"/>
+                  </a:fontRef>
+                </p:style>
+              </p:cxnSp>
+              <p:cxnSp>
+                <p:nvCxnSpPr>
+                  <p:cNvPr id="131" name="Straight Connector 130"/>
+                  <p:cNvCxnSpPr/>
+                  <p:nvPr/>
+                </p:nvCxnSpPr>
+                <p:spPr>
+                  <a:xfrm flipH="1">
+                    <a:off x="15968716" y="13504344"/>
+                    <a:ext cx="351094" cy="0"/>
+                  </a:xfrm>
+                  <a:prstGeom prst="line">
+                    <a:avLst/>
+                  </a:prstGeom>
+                  <a:ln w="25400">
+                    <a:solidFill>
+                      <a:srgbClr val="FF99CC"/>
+                    </a:solidFill>
+                  </a:ln>
+                </p:spPr>
+                <p:style>
+                  <a:lnRef idx="1">
+                    <a:schemeClr val="accent1"/>
+                  </a:lnRef>
+                  <a:fillRef idx="0">
+                    <a:schemeClr val="accent1"/>
+                  </a:fillRef>
+                  <a:effectRef idx="0">
+                    <a:schemeClr val="accent1"/>
+                  </a:effectRef>
+                  <a:fontRef idx="minor">
+                    <a:schemeClr val="tx1"/>
+                  </a:fontRef>
+                </p:style>
+              </p:cxnSp>
+              <p:cxnSp>
+                <p:nvCxnSpPr>
+                  <p:cNvPr id="132" name="Straight Connector 131"/>
+                  <p:cNvCxnSpPr/>
+                  <p:nvPr/>
+                </p:nvCxnSpPr>
+                <p:spPr>
+                  <a:xfrm flipH="1" flipV="1">
+                    <a:off x="16624610" y="14144750"/>
+                    <a:ext cx="290699" cy="218340"/>
+                  </a:xfrm>
+                  <a:prstGeom prst="line">
+                    <a:avLst/>
+                  </a:prstGeom>
+                  <a:ln w="25400">
+                    <a:solidFill>
+                      <a:schemeClr val="accent6"/>
+                    </a:solidFill>
+                  </a:ln>
+                </p:spPr>
+                <p:style>
+                  <a:lnRef idx="1">
+                    <a:schemeClr val="accent1"/>
+                  </a:lnRef>
+                  <a:fillRef idx="0">
+                    <a:schemeClr val="accent1"/>
+                  </a:fillRef>
+                  <a:effectRef idx="0">
+                    <a:schemeClr val="accent1"/>
+                  </a:effectRef>
+                  <a:fontRef idx="minor">
+                    <a:schemeClr val="tx1"/>
+                  </a:fontRef>
+                </p:style>
+              </p:cxnSp>
+              <p:sp>
+                <p:nvSpPr>
+                  <p:cNvPr id="133" name="Oval 132"/>
+                  <p:cNvSpPr/>
+                  <p:nvPr/>
+                </p:nvSpPr>
+                <p:spPr>
+                  <a:xfrm>
+                    <a:off x="16870672" y="14318453"/>
+                    <a:ext cx="304800" cy="304800"/>
+                  </a:xfrm>
+                  <a:prstGeom prst="ellipse">
+                    <a:avLst/>
+                  </a:prstGeom>
+                  <a:noFill/>
+                  <a:ln>
+                    <a:solidFill>
+                      <a:schemeClr val="accent6"/>
+                    </a:solidFill>
+                  </a:ln>
+                </p:spPr>
+                <p:style>
+                  <a:lnRef idx="2">
+                    <a:schemeClr val="accent1"/>
+                  </a:lnRef>
+                  <a:fillRef idx="1">
+                    <a:schemeClr val="lt1"/>
+                  </a:fillRef>
+                  <a:effectRef idx="0">
+                    <a:schemeClr val="accent1"/>
+                  </a:effectRef>
+                  <a:fontRef idx="minor">
+                    <a:schemeClr val="dk1"/>
+                  </a:fontRef>
+                </p:style>
+                <p:txBody>
+                  <a:bodyPr rtlCol="0" anchor="ctr"/>
+                  <a:lstStyle/>
+                  <a:p>
+                    <a:pPr algn="ctr"/>
+                    <a:endParaRPr lang="en-US"/>
+                  </a:p>
+                </p:txBody>
+              </p:sp>
+              <p:sp>
+                <p:nvSpPr>
+                  <p:cNvPr id="134" name="Oval 133"/>
+                  <p:cNvSpPr/>
+                  <p:nvPr/>
+                </p:nvSpPr>
+                <p:spPr>
+                  <a:xfrm>
+                    <a:off x="16319810" y="14670346"/>
+                    <a:ext cx="304800" cy="304800"/>
+                  </a:xfrm>
+                  <a:prstGeom prst="ellipse">
+                    <a:avLst/>
+                  </a:prstGeom>
+                  <a:noFill/>
+                  <a:ln>
+                    <a:solidFill>
+                      <a:schemeClr val="accent6"/>
+                    </a:solidFill>
+                  </a:ln>
+                </p:spPr>
+                <p:style>
+                  <a:lnRef idx="2">
+                    <a:schemeClr val="accent1"/>
+                  </a:lnRef>
+                  <a:fillRef idx="1">
+                    <a:schemeClr val="lt1"/>
+                  </a:fillRef>
+                  <a:effectRef idx="0">
+                    <a:schemeClr val="accent1"/>
+                  </a:effectRef>
+                  <a:fontRef idx="minor">
+                    <a:schemeClr val="dk1"/>
+                  </a:fontRef>
+                </p:style>
+                <p:txBody>
+                  <a:bodyPr rtlCol="0" anchor="ctr"/>
+                  <a:lstStyle/>
+                  <a:p>
+                    <a:pPr algn="ctr"/>
+                    <a:endParaRPr lang="en-US"/>
+                  </a:p>
+                </p:txBody>
+              </p:sp>
+              <p:sp>
+                <p:nvSpPr>
+                  <p:cNvPr id="135" name="Oval 134"/>
+                  <p:cNvSpPr/>
+                  <p:nvPr/>
+                </p:nvSpPr>
+                <p:spPr>
+                  <a:xfrm>
+                    <a:off x="15663916" y="14670346"/>
+                    <a:ext cx="304800" cy="304800"/>
+                  </a:xfrm>
+                  <a:prstGeom prst="ellipse">
+                    <a:avLst/>
+                  </a:prstGeom>
+                  <a:noFill/>
+                  <a:ln>
+                    <a:solidFill>
+                      <a:schemeClr val="accent6"/>
+                    </a:solidFill>
+                  </a:ln>
+                </p:spPr>
+                <p:style>
+                  <a:lnRef idx="2">
+                    <a:schemeClr val="accent1"/>
+                  </a:lnRef>
+                  <a:fillRef idx="1">
+                    <a:schemeClr val="lt1"/>
+                  </a:fillRef>
+                  <a:effectRef idx="0">
+                    <a:schemeClr val="accent1"/>
+                  </a:effectRef>
+                  <a:fontRef idx="minor">
+                    <a:schemeClr val="dk1"/>
+                  </a:fontRef>
+                </p:style>
+                <p:txBody>
+                  <a:bodyPr rtlCol="0" anchor="ctr"/>
+                  <a:lstStyle/>
+                  <a:p>
+                    <a:pPr algn="ctr"/>
+                    <a:endParaRPr lang="en-US"/>
+                  </a:p>
+                </p:txBody>
+              </p:sp>
+              <p:cxnSp>
+                <p:nvCxnSpPr>
+                  <p:cNvPr id="136" name="Straight Connector 135"/>
+                  <p:cNvCxnSpPr/>
+                  <p:nvPr/>
+                </p:nvCxnSpPr>
+                <p:spPr>
+                  <a:xfrm flipH="1">
+                    <a:off x="16624610" y="14578616"/>
+                    <a:ext cx="290699" cy="244130"/>
+                  </a:xfrm>
+                  <a:prstGeom prst="line">
+                    <a:avLst/>
+                  </a:prstGeom>
+                  <a:ln w="25400">
+                    <a:solidFill>
+                      <a:schemeClr val="accent6"/>
+                    </a:solidFill>
+                  </a:ln>
+                </p:spPr>
+                <p:style>
+                  <a:lnRef idx="1">
+                    <a:schemeClr val="accent1"/>
+                  </a:lnRef>
+                  <a:fillRef idx="0">
+                    <a:schemeClr val="accent1"/>
+                  </a:fillRef>
+                  <a:effectRef idx="0">
+                    <a:schemeClr val="accent1"/>
+                  </a:effectRef>
+                  <a:fontRef idx="minor">
+                    <a:schemeClr val="tx1"/>
+                  </a:fontRef>
+                </p:style>
+              </p:cxnSp>
+              <p:cxnSp>
+                <p:nvCxnSpPr>
+                  <p:cNvPr id="137" name="Straight Connector 136"/>
+                  <p:cNvCxnSpPr/>
+                  <p:nvPr/>
+                </p:nvCxnSpPr>
+                <p:spPr>
+                  <a:xfrm flipH="1">
+                    <a:off x="15968716" y="14822746"/>
+                    <a:ext cx="351094" cy="0"/>
+                  </a:xfrm>
+                  <a:prstGeom prst="line">
+                    <a:avLst/>
+                  </a:prstGeom>
+                  <a:ln w="25400">
+                    <a:solidFill>
+                      <a:schemeClr val="accent6"/>
+                    </a:solidFill>
+                  </a:ln>
+                </p:spPr>
+                <p:style>
+                  <a:lnRef idx="1">
+                    <a:schemeClr val="accent1"/>
+                  </a:lnRef>
+                  <a:fillRef idx="0">
+                    <a:schemeClr val="accent1"/>
+                  </a:fillRef>
+                  <a:effectRef idx="0">
+                    <a:schemeClr val="accent1"/>
+                  </a:effectRef>
+                  <a:fontRef idx="minor">
+                    <a:schemeClr val="tx1"/>
+                  </a:fontRef>
+                </p:style>
+              </p:cxnSp>
+              <p:cxnSp>
+                <p:nvCxnSpPr>
+                  <p:cNvPr id="138" name="Straight Connector 137"/>
+                  <p:cNvCxnSpPr/>
+                  <p:nvPr/>
+                </p:nvCxnSpPr>
+                <p:spPr>
+                  <a:xfrm flipV="1">
+                    <a:off x="15816316" y="14297150"/>
+                    <a:ext cx="0" cy="373196"/>
+                  </a:xfrm>
+                  <a:prstGeom prst="line">
+                    <a:avLst/>
+                  </a:prstGeom>
+                  <a:ln w="25400">
+                    <a:solidFill>
+                      <a:schemeClr val="accent6"/>
+                    </a:solidFill>
+                  </a:ln>
+                </p:spPr>
+                <p:style>
+                  <a:lnRef idx="1">
+                    <a:schemeClr val="accent1"/>
+                  </a:lnRef>
+                  <a:fillRef idx="0">
+                    <a:schemeClr val="accent1"/>
+                  </a:fillRef>
+                  <a:effectRef idx="0">
+                    <a:schemeClr val="accent1"/>
+                  </a:effectRef>
+                  <a:fontRef idx="minor">
+                    <a:schemeClr val="tx1"/>
+                  </a:fontRef>
+                </p:style>
+              </p:cxnSp>
+            </p:grpSp>
+            <p:cxnSp>
+              <p:nvCxnSpPr>
+                <p:cNvPr id="120" name="Straight Connector 119"/>
+                <p:cNvCxnSpPr/>
+                <p:nvPr/>
+              </p:nvCxnSpPr>
+              <p:spPr>
+                <a:xfrm flipH="1">
+                  <a:off x="21006899" y="14406260"/>
+                  <a:ext cx="629361" cy="108195"/>
+                </a:xfrm>
+                <a:prstGeom prst="line">
+                  <a:avLst/>
+                </a:prstGeom>
+                <a:ln w="25400">
+                  <a:solidFill>
+                    <a:schemeClr val="accent1"/>
+                  </a:solidFill>
+                </a:ln>
+              </p:spPr>
+              <p:style>
+                <a:lnRef idx="1">
+                  <a:schemeClr val="accent1"/>
+                </a:lnRef>
+                <a:fillRef idx="0">
+                  <a:schemeClr val="accent1"/>
+                </a:fillRef>
+                <a:effectRef idx="0">
+                  <a:schemeClr val="accent1"/>
+                </a:effectRef>
+                <a:fontRef idx="minor">
+                  <a:schemeClr val="tx1"/>
+                </a:fontRef>
+              </p:style>
+            </p:cxnSp>
+            <p:sp>
+              <p:nvSpPr>
+                <p:cNvPr id="121" name="Oval 120"/>
+                <p:cNvSpPr/>
+                <p:nvPr/>
+              </p:nvSpPr>
+              <p:spPr>
+                <a:xfrm>
+                  <a:off x="20341125" y="14962128"/>
+                  <a:ext cx="304800" cy="304800"/>
+                </a:xfrm>
+                <a:prstGeom prst="ellipse">
+                  <a:avLst/>
+                </a:prstGeom>
+                <a:noFill/>
+                <a:ln>
+                  <a:solidFill>
+                    <a:schemeClr val="tx1"/>
+                  </a:solidFill>
+                </a:ln>
+              </p:spPr>
+              <p:style>
+                <a:lnRef idx="2">
+                  <a:schemeClr val="accent1"/>
+                </a:lnRef>
+                <a:fillRef idx="1">
+                  <a:schemeClr val="lt1"/>
+                </a:fillRef>
+                <a:effectRef idx="0">
+                  <a:schemeClr val="accent1"/>
+                </a:effectRef>
+                <a:fontRef idx="minor">
+                  <a:schemeClr val="dk1"/>
+                </a:fontRef>
+              </p:style>
+              <p:txBody>
+                <a:bodyPr rtlCol="0" anchor="ctr"/>
+                <a:lstStyle/>
+                <a:p>
+                  <a:pPr algn="ctr"/>
+                  <a:r>
+                    <a:rPr lang="en-US" dirty="0"/>
+                    <a:t> </a:t>
+                  </a:r>
+                </a:p>
+              </p:txBody>
+            </p:sp>
+            <p:cxnSp>
+              <p:nvCxnSpPr>
+                <p:cNvPr id="122" name="Straight Connector 121"/>
+                <p:cNvCxnSpPr/>
+                <p:nvPr/>
+              </p:nvCxnSpPr>
+              <p:spPr>
+                <a:xfrm flipH="1" flipV="1">
+                  <a:off x="20354968" y="14336806"/>
+                  <a:ext cx="138557" cy="625322"/>
+                </a:xfrm>
+                <a:prstGeom prst="line">
+                  <a:avLst/>
+                </a:prstGeom>
+                <a:ln w="25400">
+                  <a:solidFill>
+                    <a:schemeClr val="tx1"/>
+                  </a:solidFill>
+                </a:ln>
+              </p:spPr>
+              <p:style>
+                <a:lnRef idx="1">
+                  <a:schemeClr val="accent1"/>
+                </a:lnRef>
+                <a:fillRef idx="0">
+                  <a:schemeClr val="accent1"/>
+                </a:fillRef>
+                <a:effectRef idx="0">
+                  <a:schemeClr val="accent1"/>
+                </a:effectRef>
+                <a:fontRef idx="minor">
+                  <a:schemeClr val="tx1"/>
+                </a:fontRef>
+              </p:style>
+            </p:cxnSp>
+            <p:cxnSp>
+              <p:nvCxnSpPr>
+                <p:cNvPr id="123" name="Straight Connector 122"/>
+                <p:cNvCxnSpPr/>
+                <p:nvPr/>
+              </p:nvCxnSpPr>
+              <p:spPr>
+                <a:xfrm flipV="1">
+                  <a:off x="20645925" y="14951022"/>
+                  <a:ext cx="625053" cy="163506"/>
+                </a:xfrm>
+                <a:prstGeom prst="line">
+                  <a:avLst/>
+                </a:prstGeom>
+                <a:ln w="25400">
+                  <a:solidFill>
+                    <a:schemeClr val="tx1"/>
+                  </a:solidFill>
+                </a:ln>
+              </p:spPr>
+              <p:style>
+                <a:lnRef idx="1">
+                  <a:schemeClr val="accent1"/>
+                </a:lnRef>
+                <a:fillRef idx="0">
+                  <a:schemeClr val="accent1"/>
+                </a:fillRef>
+                <a:effectRef idx="0">
+                  <a:schemeClr val="accent1"/>
+                </a:effectRef>
+                <a:fontRef idx="minor">
+                  <a:schemeClr val="tx1"/>
+                </a:fontRef>
+              </p:style>
+            </p:cxnSp>
+          </p:grpSp>
+        </p:grpSp>
         <p:sp>
           <p:nvSpPr>
-            <p:cNvPr id="100" name="TextBox 99"/>
+            <p:cNvPr id="197" name="TextBox 196"/>
             <p:cNvSpPr txBox="1"/>
             <p:nvPr/>
           </p:nvSpPr>
           <p:spPr>
             <a:xfrm>
-              <a:off x="31623000" y="7915748"/>
-              <a:ext cx="2326214" cy="338554"/>
+              <a:off x="7120563" y="1319590"/>
+              <a:ext cx="1796004" cy="400110"/>
             </a:xfrm>
             <a:prstGeom prst="rect">
               <a:avLst/>
@@ -12799,288 +15844,777 @@
             <a:lstStyle/>
             <a:p>
               <a:r>
-                <a:rPr lang="en-US" sz="1600" dirty="0" smtClean="0"/>
-                <a:t>Model Training Process</a:t>
+                <a:rPr lang="en-US" altLang="zh-CN" sz="2000"/>
+                <a:t>Sample</a:t>
               </a:r>
-              <a:endParaRPr lang="en-US" sz="1600" dirty="0"/>
+              <a:r>
+                <a:rPr lang="zh-CN" altLang="en-US" sz="2000" dirty="0"/>
+                <a:t> </a:t>
+              </a:r>
+              <a:r>
+                <a:rPr lang="en-US" altLang="zh-CN" sz="2000" dirty="0"/>
+                <a:t>ARGs</a:t>
+              </a:r>
+              <a:endParaRPr lang="en-US" sz="2000" dirty="0"/>
             </a:p>
           </p:txBody>
         </p:sp>
-        <mc:AlternateContent xmlns:mc="http://schemas.openxmlformats.org/markup-compatibility/2006">
-          <mc:Choice xmlns:a14="http://schemas.microsoft.com/office/drawing/2010/main" Requires="a14">
-            <p:sp>
-              <p:nvSpPr>
-                <p:cNvPr id="101" name="TextBox 100"/>
-                <p:cNvSpPr txBox="1"/>
-                <p:nvPr/>
-              </p:nvSpPr>
-              <p:spPr>
-                <a:xfrm>
-                  <a:off x="30472314" y="8259435"/>
-                  <a:ext cx="4924790" cy="307777"/>
-                </a:xfrm>
-                <a:prstGeom prst="rect">
-                  <a:avLst/>
-                </a:prstGeom>
-                <a:noFill/>
-                <a:ln w="3175">
-                  <a:solidFill>
-                    <a:schemeClr val="tx1"/>
-                  </a:solidFill>
-                </a:ln>
-              </p:spPr>
-              <p:txBody>
-                <a:bodyPr wrap="square" rtlCol="0">
-                  <a:spAutoFit/>
-                </a:bodyPr>
-                <a:lstStyle/>
-                <a:p>
-                  <a:pPr algn="ctr"/>
-                  <a:r>
-                    <a:rPr lang="en-US" sz="1400" dirty="0" smtClean="0"/>
-                    <a:t>1</a:t>
-                  </a:r>
-                  <a:r>
-                    <a:rPr lang="en-US" sz="1400" baseline="30000" dirty="0" smtClean="0"/>
-                    <a:t>st</a:t>
-                  </a:r>
-                  <a:r>
-                    <a:rPr lang="en-US" sz="1400" dirty="0"/>
-                    <a:t> </a:t>
-                  </a:r>
-                  <a:r>
-                    <a:rPr lang="en-US" sz="1400" dirty="0" smtClean="0"/>
-                    <a:t>Randomly pick </a:t>
-                  </a:r>
-                  <a14:m>
-                    <m:oMath xmlns:m="http://schemas.openxmlformats.org/officeDocument/2006/math">
-                      <m:r>
-                        <a:rPr lang="en-US" altLang="zh-CN" sz="1400" b="0" i="1" smtClean="0">
-                          <a:latin typeface="Cambria Math" charset="0"/>
-                        </a:rPr>
-                        <m:t>𝑛</m:t>
-                      </m:r>
-                    </m:oMath>
-                  </a14:m>
-                  <a:r>
-                    <a:rPr lang="en-US" sz="1400" dirty="0" smtClean="0"/>
-                    <a:t> graphs as components</a:t>
-                  </a:r>
-                  <a:endParaRPr lang="en-US" sz="1400" dirty="0"/>
-                </a:p>
-              </p:txBody>
-            </p:sp>
-          </mc:Choice>
-          <mc:Fallback>
-            <p:sp>
-              <p:nvSpPr>
-                <p:cNvPr id="101" name="TextBox 100"/>
-                <p:cNvSpPr txBox="1">
-                  <a:spLocks noRot="1" noChangeAspect="1" noMove="1" noResize="1" noEditPoints="1" noAdjustHandles="1" noChangeArrowheads="1" noChangeShapeType="1" noTextEdit="1"/>
-                </p:cNvSpPr>
-                <p:nvPr/>
-              </p:nvSpPr>
-              <p:spPr>
-                <a:xfrm>
-                  <a:off x="30472314" y="8259435"/>
-                  <a:ext cx="4924790" cy="307777"/>
-                </a:xfrm>
-                <a:prstGeom prst="rect">
-                  <a:avLst/>
-                </a:prstGeom>
-                <a:blipFill rotWithShape="0">
-                  <a:blip r:embed="rId2"/>
-                  <a:stretch>
-                    <a:fillRect t="-3922" b="-17647"/>
-                  </a:stretch>
-                </a:blipFill>
-                <a:ln w="3175">
-                  <a:solidFill>
-                    <a:schemeClr val="tx1"/>
-                  </a:solidFill>
-                </a:ln>
-              </p:spPr>
-              <p:txBody>
-                <a:bodyPr/>
-                <a:lstStyle/>
-                <a:p>
-                  <a:r>
-                    <a:rPr lang="en-US">
-                      <a:noFill/>
-                    </a:rPr>
-                    <a:t> </a:t>
-                  </a:r>
-                </a:p>
-              </p:txBody>
-            </p:sp>
-          </mc:Fallback>
-        </mc:AlternateContent>
-        <p:sp>
-          <p:nvSpPr>
-            <p:cNvPr id="102" name="TextBox 101"/>
-            <p:cNvSpPr txBox="1"/>
+        <p:grpSp>
+          <p:nvGrpSpPr>
+            <p:cNvPr id="198" name="Group 197"/>
+            <p:cNvGrpSpPr/>
             <p:nvPr/>
-          </p:nvSpPr>
-          <p:spPr>
-            <a:xfrm>
-              <a:off x="30469266" y="8805545"/>
-              <a:ext cx="1839534" cy="1384995"/>
+          </p:nvGrpSpPr>
+          <p:grpSpPr>
+            <a:xfrm rot="18900000">
+              <a:off x="1353123" y="4116756"/>
+              <a:ext cx="1221477" cy="1221106"/>
+              <a:chOff x="15754534" y="13114156"/>
+              <a:chExt cx="1221477" cy="1221106"/>
             </a:xfrm>
-            <a:prstGeom prst="rect">
-              <a:avLst/>
-            </a:prstGeom>
-            <a:noFill/>
-            <a:ln w="3175">
-              <a:solidFill>
+          </p:grpSpPr>
+          <p:sp>
+            <p:nvSpPr>
+              <p:cNvPr id="199" name="Oval 198"/>
+              <p:cNvSpPr/>
+              <p:nvPr/>
+            </p:nvSpPr>
+            <p:spPr>
+              <a:xfrm rot="2641865">
+                <a:off x="16199647" y="13114156"/>
+                <a:ext cx="304800" cy="304800"/>
+              </a:xfrm>
+              <a:prstGeom prst="ellipse">
+                <a:avLst/>
+              </a:prstGeom>
+              <a:noFill/>
+              <a:ln>
+                <a:solidFill>
+                  <a:srgbClr val="FF99CC"/>
+                </a:solidFill>
+              </a:ln>
+            </p:spPr>
+            <p:style>
+              <a:lnRef idx="2">
+                <a:schemeClr val="accent1"/>
+              </a:lnRef>
+              <a:fillRef idx="1">
+                <a:schemeClr val="lt1"/>
+              </a:fillRef>
+              <a:effectRef idx="0">
+                <a:schemeClr val="accent1"/>
+              </a:effectRef>
+              <a:fontRef idx="minor">
+                <a:schemeClr val="dk1"/>
+              </a:fontRef>
+            </p:style>
+            <p:txBody>
+              <a:bodyPr rtlCol="0" anchor="ctr"/>
+              <a:lstStyle/>
+              <a:p>
+                <a:pPr algn="ctr"/>
+                <a:endParaRPr lang="en-US"/>
+              </a:p>
+            </p:txBody>
+          </p:sp>
+          <p:sp>
+            <p:nvSpPr>
+              <p:cNvPr id="200" name="Oval 199"/>
+              <p:cNvSpPr/>
+              <p:nvPr/>
+            </p:nvSpPr>
+            <p:spPr>
+              <a:xfrm rot="2641865">
+                <a:off x="16671211" y="13570034"/>
+                <a:ext cx="304800" cy="304800"/>
+              </a:xfrm>
+              <a:prstGeom prst="ellipse">
+                <a:avLst/>
+              </a:prstGeom>
+              <a:noFill/>
+              <a:ln>
+                <a:solidFill>
+                  <a:srgbClr val="FF99CC"/>
+                </a:solidFill>
+              </a:ln>
+            </p:spPr>
+            <p:style>
+              <a:lnRef idx="2">
+                <a:schemeClr val="accent1"/>
+              </a:lnRef>
+              <a:fillRef idx="1">
+                <a:schemeClr val="lt1"/>
+              </a:fillRef>
+              <a:effectRef idx="0">
+                <a:schemeClr val="accent1"/>
+              </a:effectRef>
+              <a:fontRef idx="minor">
+                <a:schemeClr val="dk1"/>
+              </a:fontRef>
+            </p:style>
+            <p:txBody>
+              <a:bodyPr rtlCol="0" anchor="ctr"/>
+              <a:lstStyle/>
+              <a:p>
+                <a:pPr algn="ctr"/>
+                <a:endParaRPr lang="en-US"/>
+              </a:p>
+            </p:txBody>
+          </p:sp>
+          <p:sp>
+            <p:nvSpPr>
+              <p:cNvPr id="201" name="Oval 200"/>
+              <p:cNvSpPr/>
+              <p:nvPr/>
+            </p:nvSpPr>
+            <p:spPr>
+              <a:xfrm rot="2641865">
+                <a:off x="16226097" y="14030462"/>
+                <a:ext cx="304800" cy="304800"/>
+              </a:xfrm>
+              <a:prstGeom prst="ellipse">
+                <a:avLst/>
+              </a:prstGeom>
+              <a:noFill/>
+              <a:ln>
+                <a:solidFill>
+                  <a:srgbClr val="FF99CC"/>
+                </a:solidFill>
+              </a:ln>
+            </p:spPr>
+            <p:style>
+              <a:lnRef idx="2">
+                <a:schemeClr val="accent1"/>
+              </a:lnRef>
+              <a:fillRef idx="1">
+                <a:schemeClr val="lt1"/>
+              </a:fillRef>
+              <a:effectRef idx="0">
+                <a:schemeClr val="accent1"/>
+              </a:effectRef>
+              <a:fontRef idx="minor">
+                <a:schemeClr val="dk1"/>
+              </a:fontRef>
+            </p:style>
+            <p:txBody>
+              <a:bodyPr rtlCol="0" anchor="ctr"/>
+              <a:lstStyle/>
+              <a:p>
+                <a:pPr algn="ctr"/>
+                <a:endParaRPr lang="en-US"/>
+              </a:p>
+            </p:txBody>
+          </p:sp>
+          <p:sp>
+            <p:nvSpPr>
+              <p:cNvPr id="202" name="Oval 201"/>
+              <p:cNvSpPr/>
+              <p:nvPr/>
+            </p:nvSpPr>
+            <p:spPr>
+              <a:xfrm rot="2641865">
+                <a:off x="15754534" y="13574584"/>
+                <a:ext cx="304800" cy="304800"/>
+              </a:xfrm>
+              <a:prstGeom prst="ellipse">
+                <a:avLst/>
+              </a:prstGeom>
+              <a:noFill/>
+              <a:ln>
+                <a:solidFill>
+                  <a:srgbClr val="FF99CC"/>
+                </a:solidFill>
+              </a:ln>
+            </p:spPr>
+            <p:style>
+              <a:lnRef idx="2">
+                <a:schemeClr val="accent1"/>
+              </a:lnRef>
+              <a:fillRef idx="1">
+                <a:schemeClr val="lt1"/>
+              </a:fillRef>
+              <a:effectRef idx="0">
+                <a:schemeClr val="accent1"/>
+              </a:effectRef>
+              <a:fontRef idx="minor">
+                <a:schemeClr val="dk1"/>
+              </a:fontRef>
+            </p:style>
+            <p:txBody>
+              <a:bodyPr rtlCol="0" anchor="ctr"/>
+              <a:lstStyle/>
+              <a:p>
+                <a:pPr algn="ctr"/>
+                <a:endParaRPr lang="en-US"/>
+              </a:p>
+            </p:txBody>
+          </p:sp>
+          <p:cxnSp>
+            <p:nvCxnSpPr>
+              <p:cNvPr id="203" name="Straight Connector 202"/>
+              <p:cNvCxnSpPr/>
+              <p:nvPr/>
+            </p:nvCxnSpPr>
+            <p:spPr>
+              <a:xfrm rot="2641865" flipV="1">
+                <a:off x="16129491" y="13328967"/>
+                <a:ext cx="0" cy="335606"/>
+              </a:xfrm>
+              <a:prstGeom prst="line">
+                <a:avLst/>
+              </a:prstGeom>
+              <a:ln w="25400">
+                <a:solidFill>
+                  <a:srgbClr val="FF99CC"/>
+                </a:solidFill>
+              </a:ln>
+            </p:spPr>
+            <p:style>
+              <a:lnRef idx="1">
+                <a:schemeClr val="accent1"/>
+              </a:lnRef>
+              <a:fillRef idx="0">
+                <a:schemeClr val="accent1"/>
+              </a:fillRef>
+              <a:effectRef idx="0">
+                <a:schemeClr val="accent1"/>
+              </a:effectRef>
+              <a:fontRef idx="minor">
                 <a:schemeClr val="tx1"/>
-              </a:solidFill>
-            </a:ln>
-          </p:spPr>
-          <p:txBody>
-            <a:bodyPr wrap="square" rtlCol="0">
-              <a:spAutoFit/>
-            </a:bodyPr>
-            <a:lstStyle/>
-            <a:p>
-              <a:pPr algn="ctr"/>
-              <a:r>
-                <a:rPr lang="en-US" sz="1400" dirty="0" smtClean="0"/>
-                <a:t>2</a:t>
-              </a:r>
-              <a:r>
-                <a:rPr lang="en-US" sz="1400" baseline="30000" dirty="0" smtClean="0"/>
-                <a:t>nd</a:t>
-              </a:r>
-              <a:r>
-                <a:rPr lang="en-US" sz="1400" dirty="0" smtClean="0"/>
-                <a:t> Perform graph matching between components and sample </a:t>
-              </a:r>
-              <a:r>
-                <a:rPr lang="en-US" sz="1400" dirty="0" smtClean="0"/>
-                <a:t>graphs to calculate matching probability</a:t>
-              </a:r>
-              <a:endParaRPr lang="en-US" sz="1400" dirty="0"/>
-            </a:p>
-          </p:txBody>
-        </p:sp>
-        <p:sp>
-          <p:nvSpPr>
-            <p:cNvPr id="103" name="TextBox 102"/>
-            <p:cNvSpPr txBox="1"/>
+              </a:fontRef>
+            </p:style>
+          </p:cxnSp>
+          <p:cxnSp>
+            <p:nvCxnSpPr>
+              <p:cNvPr id="204" name="Straight Connector 203"/>
+              <p:cNvCxnSpPr/>
+              <p:nvPr/>
+            </p:nvCxnSpPr>
+            <p:spPr>
+              <a:xfrm rot="2641865" flipV="1">
+                <a:off x="16601054" y="13784845"/>
+                <a:ext cx="0" cy="335606"/>
+              </a:xfrm>
+              <a:prstGeom prst="line">
+                <a:avLst/>
+              </a:prstGeom>
+              <a:ln w="25400">
+                <a:solidFill>
+                  <a:srgbClr val="FF99CC"/>
+                </a:solidFill>
+              </a:ln>
+            </p:spPr>
+            <p:style>
+              <a:lnRef idx="1">
+                <a:schemeClr val="accent1"/>
+              </a:lnRef>
+              <a:fillRef idx="0">
+                <a:schemeClr val="accent1"/>
+              </a:fillRef>
+              <a:effectRef idx="0">
+                <a:schemeClr val="accent1"/>
+              </a:effectRef>
+              <a:fontRef idx="minor">
+                <a:schemeClr val="tx1"/>
+              </a:fontRef>
+            </p:style>
+          </p:cxnSp>
+          <p:cxnSp>
+            <p:nvCxnSpPr>
+              <p:cNvPr id="205" name="Straight Connector 204"/>
+              <p:cNvCxnSpPr/>
+              <p:nvPr/>
+            </p:nvCxnSpPr>
+            <p:spPr>
+              <a:xfrm rot="2641865" flipH="1">
+                <a:off x="15967169" y="13954923"/>
+                <a:ext cx="351094" cy="0"/>
+              </a:xfrm>
+              <a:prstGeom prst="line">
+                <a:avLst/>
+              </a:prstGeom>
+              <a:ln w="25400">
+                <a:solidFill>
+                  <a:srgbClr val="FF99CC"/>
+                </a:solidFill>
+              </a:ln>
+            </p:spPr>
+            <p:style>
+              <a:lnRef idx="1">
+                <a:schemeClr val="accent1"/>
+              </a:lnRef>
+              <a:fillRef idx="0">
+                <a:schemeClr val="accent1"/>
+              </a:fillRef>
+              <a:effectRef idx="0">
+                <a:schemeClr val="accent1"/>
+              </a:effectRef>
+              <a:fontRef idx="minor">
+                <a:schemeClr val="tx1"/>
+              </a:fontRef>
+            </p:style>
+          </p:cxnSp>
+          <p:cxnSp>
+            <p:nvCxnSpPr>
+              <p:cNvPr id="206" name="Straight Connector 205"/>
+              <p:cNvCxnSpPr/>
+              <p:nvPr/>
+            </p:nvCxnSpPr>
+            <p:spPr>
+              <a:xfrm rot="2641865" flipH="1">
+                <a:off x="16412282" y="13494495"/>
+                <a:ext cx="351094" cy="0"/>
+              </a:xfrm>
+              <a:prstGeom prst="line">
+                <a:avLst/>
+              </a:prstGeom>
+              <a:ln w="25400">
+                <a:solidFill>
+                  <a:srgbClr val="FF99CC"/>
+                </a:solidFill>
+              </a:ln>
+            </p:spPr>
+            <p:style>
+              <a:lnRef idx="1">
+                <a:schemeClr val="accent1"/>
+              </a:lnRef>
+              <a:fillRef idx="0">
+                <a:schemeClr val="accent1"/>
+              </a:fillRef>
+              <a:effectRef idx="0">
+                <a:schemeClr val="accent1"/>
+              </a:effectRef>
+              <a:fontRef idx="minor">
+                <a:schemeClr val="tx1"/>
+              </a:fontRef>
+            </p:style>
+          </p:cxnSp>
+        </p:grpSp>
+        <p:grpSp>
+          <p:nvGrpSpPr>
+            <p:cNvPr id="207" name="Group 206"/>
+            <p:cNvGrpSpPr/>
             <p:nvPr/>
-          </p:nvSpPr>
-          <p:spPr>
-            <a:xfrm>
-              <a:off x="33528000" y="8815197"/>
-              <a:ext cx="1899584" cy="1384995"/>
+          </p:nvGrpSpPr>
+          <p:grpSpPr>
+            <a:xfrm rot="13500000">
+              <a:off x="2852241" y="3913975"/>
+              <a:ext cx="1416995" cy="1378010"/>
+              <a:chOff x="15283294" y="13574584"/>
+              <a:chExt cx="1416995" cy="1378010"/>
             </a:xfrm>
-            <a:prstGeom prst="rect">
-              <a:avLst/>
-            </a:prstGeom>
-            <a:noFill/>
-            <a:ln w="3175">
-              <a:solidFill>
+          </p:grpSpPr>
+          <p:sp>
+            <p:nvSpPr>
+              <p:cNvPr id="208" name="Oval 207"/>
+              <p:cNvSpPr/>
+              <p:nvPr/>
+            </p:nvSpPr>
+            <p:spPr>
+              <a:xfrm rot="2641865">
+                <a:off x="16226097" y="14030462"/>
+                <a:ext cx="304800" cy="304800"/>
+              </a:xfrm>
+              <a:prstGeom prst="ellipse">
+                <a:avLst/>
+              </a:prstGeom>
+              <a:noFill/>
+              <a:ln>
+                <a:solidFill>
+                  <a:schemeClr val="accent6"/>
+                </a:solidFill>
+              </a:ln>
+            </p:spPr>
+            <p:style>
+              <a:lnRef idx="2">
+                <a:schemeClr val="accent1"/>
+              </a:lnRef>
+              <a:fillRef idx="1">
+                <a:schemeClr val="lt1"/>
+              </a:fillRef>
+              <a:effectRef idx="0">
+                <a:schemeClr val="accent1"/>
+              </a:effectRef>
+              <a:fontRef idx="minor">
+                <a:schemeClr val="dk1"/>
+              </a:fontRef>
+            </p:style>
+            <p:txBody>
+              <a:bodyPr rtlCol="0" anchor="ctr"/>
+              <a:lstStyle/>
+              <a:p>
+                <a:pPr algn="ctr"/>
+                <a:endParaRPr lang="en-US"/>
+              </a:p>
+            </p:txBody>
+          </p:sp>
+          <p:sp>
+            <p:nvSpPr>
+              <p:cNvPr id="209" name="Oval 208"/>
+              <p:cNvSpPr/>
+              <p:nvPr/>
+            </p:nvSpPr>
+            <p:spPr>
+              <a:xfrm rot="2641865">
+                <a:off x="15754534" y="13574584"/>
+                <a:ext cx="304800" cy="304800"/>
+              </a:xfrm>
+              <a:prstGeom prst="ellipse">
+                <a:avLst/>
+              </a:prstGeom>
+              <a:noFill/>
+              <a:ln>
+                <a:solidFill>
+                  <a:schemeClr val="accent6"/>
+                </a:solidFill>
+              </a:ln>
+            </p:spPr>
+            <p:style>
+              <a:lnRef idx="2">
+                <a:schemeClr val="accent1"/>
+              </a:lnRef>
+              <a:fillRef idx="1">
+                <a:schemeClr val="lt1"/>
+              </a:fillRef>
+              <a:effectRef idx="0">
+                <a:schemeClr val="accent1"/>
+              </a:effectRef>
+              <a:fontRef idx="minor">
+                <a:schemeClr val="dk1"/>
+              </a:fontRef>
+            </p:style>
+            <p:txBody>
+              <a:bodyPr rtlCol="0" anchor="ctr"/>
+              <a:lstStyle/>
+              <a:p>
+                <a:pPr algn="ctr"/>
+                <a:endParaRPr lang="en-US"/>
+              </a:p>
+            </p:txBody>
+          </p:sp>
+          <p:cxnSp>
+            <p:nvCxnSpPr>
+              <p:cNvPr id="210" name="Straight Connector 209"/>
+              <p:cNvCxnSpPr/>
+              <p:nvPr/>
+            </p:nvCxnSpPr>
+            <p:spPr>
+              <a:xfrm rot="2641865" flipH="1">
+                <a:off x="15967169" y="13954923"/>
+                <a:ext cx="351094" cy="0"/>
+              </a:xfrm>
+              <a:prstGeom prst="line">
+                <a:avLst/>
+              </a:prstGeom>
+              <a:ln w="25400">
+                <a:solidFill>
+                  <a:schemeClr val="accent6"/>
+                </a:solidFill>
+              </a:ln>
+            </p:spPr>
+            <p:style>
+              <a:lnRef idx="1">
+                <a:schemeClr val="accent1"/>
+              </a:lnRef>
+              <a:fillRef idx="0">
+                <a:schemeClr val="accent1"/>
+              </a:fillRef>
+              <a:effectRef idx="0">
+                <a:schemeClr val="accent1"/>
+              </a:effectRef>
+              <a:fontRef idx="minor">
                 <a:schemeClr val="tx1"/>
-              </a:solidFill>
-            </a:ln>
-          </p:spPr>
-          <p:txBody>
-            <a:bodyPr wrap="square" rtlCol="0">
-              <a:spAutoFit/>
-            </a:bodyPr>
-            <a:lstStyle/>
-            <a:p>
-              <a:pPr algn="ctr"/>
-              <a:r>
-                <a:rPr lang="en-US" sz="1400" dirty="0" smtClean="0"/>
-                <a:t>3</a:t>
-              </a:r>
-              <a:r>
-                <a:rPr lang="en-US" sz="1400" baseline="30000" dirty="0" smtClean="0"/>
-                <a:t>rd</a:t>
-              </a:r>
-              <a:r>
-                <a:rPr lang="en-US" sz="1400" dirty="0" smtClean="0"/>
-                <a:t> Update nodes and edges of the components </a:t>
-              </a:r>
-              <a:r>
-                <a:rPr lang="en-US" sz="1400" dirty="0" smtClean="0"/>
-                <a:t>to maximize the matching probability based on 2</a:t>
-              </a:r>
-              <a:r>
-                <a:rPr lang="en-US" sz="1400" baseline="30000" dirty="0" smtClean="0"/>
-                <a:t>nd</a:t>
-              </a:r>
-              <a:r>
-                <a:rPr lang="en-US" sz="1400" dirty="0" smtClean="0"/>
-                <a:t> step</a:t>
-              </a:r>
-              <a:endParaRPr lang="en-US" sz="1400" dirty="0"/>
-            </a:p>
-          </p:txBody>
-        </p:sp>
-        <p:sp>
-          <p:nvSpPr>
-            <p:cNvPr id="104" name="TextBox 103"/>
-            <p:cNvSpPr txBox="1"/>
-            <p:nvPr/>
-          </p:nvSpPr>
-          <p:spPr>
-            <a:xfrm>
-              <a:off x="30481458" y="10396594"/>
-              <a:ext cx="4924790" cy="307777"/>
-            </a:xfrm>
-            <a:prstGeom prst="rect">
-              <a:avLst/>
-            </a:prstGeom>
-            <a:noFill/>
-            <a:ln w="3175">
-              <a:solidFill>
+              </a:fontRef>
+            </p:style>
+          </p:cxnSp>
+          <p:cxnSp>
+            <p:nvCxnSpPr>
+              <p:cNvPr id="211" name="Straight Connector 210"/>
+              <p:cNvCxnSpPr/>
+              <p:nvPr/>
+            </p:nvCxnSpPr>
+            <p:spPr>
+              <a:xfrm rot="2641865" flipH="1" flipV="1">
+                <a:off x="16371340" y="14359132"/>
+                <a:ext cx="290699" cy="218340"/>
+              </a:xfrm>
+              <a:prstGeom prst="line">
+                <a:avLst/>
+              </a:prstGeom>
+              <a:ln w="25400">
+                <a:solidFill>
+                  <a:schemeClr val="accent6"/>
+                </a:solidFill>
+              </a:ln>
+            </p:spPr>
+            <p:style>
+              <a:lnRef idx="1">
+                <a:schemeClr val="accent1"/>
+              </a:lnRef>
+              <a:fillRef idx="0">
+                <a:schemeClr val="accent1"/>
+              </a:fillRef>
+              <a:effectRef idx="0">
+                <a:schemeClr val="accent1"/>
+              </a:effectRef>
+              <a:fontRef idx="minor">
                 <a:schemeClr val="tx1"/>
-              </a:solidFill>
-            </a:ln>
-          </p:spPr>
-          <p:txBody>
-            <a:bodyPr wrap="square" rtlCol="0">
-              <a:spAutoFit/>
-            </a:bodyPr>
-            <a:lstStyle/>
-            <a:p>
-              <a:pPr algn="ctr"/>
-              <a:r>
-                <a:rPr lang="en-US" sz="1400" dirty="0" smtClean="0"/>
-                <a:t>4</a:t>
-              </a:r>
-              <a:r>
-                <a:rPr lang="en-US" sz="1400" baseline="30000" dirty="0" smtClean="0"/>
-                <a:t>th</a:t>
-              </a:r>
-              <a:r>
-                <a:rPr lang="en-US" sz="1400" dirty="0" smtClean="0"/>
-                <a:t> Output the components once the update is small</a:t>
-              </a:r>
-              <a:endParaRPr lang="en-US" sz="1400" dirty="0"/>
-            </a:p>
-          </p:txBody>
-        </p:sp>
+              </a:fontRef>
+            </p:style>
+          </p:cxnSp>
+          <p:sp>
+            <p:nvSpPr>
+              <p:cNvPr id="212" name="Oval 211"/>
+              <p:cNvSpPr/>
+              <p:nvPr/>
+            </p:nvSpPr>
+            <p:spPr>
+              <a:xfrm rot="2641865">
+                <a:off x="16395489" y="14647794"/>
+                <a:ext cx="304800" cy="304800"/>
+              </a:xfrm>
+              <a:prstGeom prst="ellipse">
+                <a:avLst/>
+              </a:prstGeom>
+              <a:noFill/>
+              <a:ln>
+                <a:solidFill>
+                  <a:schemeClr val="accent6"/>
+                </a:solidFill>
+              </a:ln>
+            </p:spPr>
+            <p:style>
+              <a:lnRef idx="2">
+                <a:schemeClr val="accent1"/>
+              </a:lnRef>
+              <a:fillRef idx="1">
+                <a:schemeClr val="lt1"/>
+              </a:fillRef>
+              <a:effectRef idx="0">
+                <a:schemeClr val="accent1"/>
+              </a:effectRef>
+              <a:fontRef idx="minor">
+                <a:schemeClr val="dk1"/>
+              </a:fontRef>
+            </p:style>
+            <p:txBody>
+              <a:bodyPr rtlCol="0" anchor="ctr"/>
+              <a:lstStyle/>
+              <a:p>
+                <a:pPr algn="ctr"/>
+                <a:endParaRPr lang="en-US"/>
+              </a:p>
+            </p:txBody>
+          </p:sp>
+          <p:sp>
+            <p:nvSpPr>
+              <p:cNvPr id="213" name="Oval 212"/>
+              <p:cNvSpPr/>
+              <p:nvPr/>
+            </p:nvSpPr>
+            <p:spPr>
+              <a:xfrm rot="2641865">
+                <a:off x="15754857" y="14517916"/>
+                <a:ext cx="304800" cy="304800"/>
+              </a:xfrm>
+              <a:prstGeom prst="ellipse">
+                <a:avLst/>
+              </a:prstGeom>
+              <a:noFill/>
+              <a:ln>
+                <a:solidFill>
+                  <a:schemeClr val="accent6"/>
+                </a:solidFill>
+              </a:ln>
+            </p:spPr>
+            <p:style>
+              <a:lnRef idx="2">
+                <a:schemeClr val="accent1"/>
+              </a:lnRef>
+              <a:fillRef idx="1">
+                <a:schemeClr val="lt1"/>
+              </a:fillRef>
+              <a:effectRef idx="0">
+                <a:schemeClr val="accent1"/>
+              </a:effectRef>
+              <a:fontRef idx="minor">
+                <a:schemeClr val="dk1"/>
+              </a:fontRef>
+            </p:style>
+            <p:txBody>
+              <a:bodyPr rtlCol="0" anchor="ctr"/>
+              <a:lstStyle/>
+              <a:p>
+                <a:pPr algn="ctr"/>
+                <a:endParaRPr lang="en-US"/>
+              </a:p>
+            </p:txBody>
+          </p:sp>
+          <p:sp>
+            <p:nvSpPr>
+              <p:cNvPr id="214" name="Oval 213"/>
+              <p:cNvSpPr/>
+              <p:nvPr/>
+            </p:nvSpPr>
+            <p:spPr>
+              <a:xfrm rot="2641865">
+                <a:off x="15283294" y="14062038"/>
+                <a:ext cx="304800" cy="304800"/>
+              </a:xfrm>
+              <a:prstGeom prst="ellipse">
+                <a:avLst/>
+              </a:prstGeom>
+              <a:noFill/>
+              <a:ln>
+                <a:solidFill>
+                  <a:schemeClr val="accent6"/>
+                </a:solidFill>
+              </a:ln>
+            </p:spPr>
+            <p:style>
+              <a:lnRef idx="2">
+                <a:schemeClr val="accent1"/>
+              </a:lnRef>
+              <a:fillRef idx="1">
+                <a:schemeClr val="lt1"/>
+              </a:fillRef>
+              <a:effectRef idx="0">
+                <a:schemeClr val="accent1"/>
+              </a:effectRef>
+              <a:fontRef idx="minor">
+                <a:schemeClr val="dk1"/>
+              </a:fontRef>
+            </p:style>
+            <p:txBody>
+              <a:bodyPr rtlCol="0" anchor="ctr"/>
+              <a:lstStyle/>
+              <a:p>
+                <a:pPr algn="ctr"/>
+                <a:endParaRPr lang="en-US"/>
+              </a:p>
+            </p:txBody>
+          </p:sp>
+          <p:cxnSp>
+            <p:nvCxnSpPr>
+              <p:cNvPr id="215" name="Straight Connector 214"/>
+              <p:cNvCxnSpPr/>
+              <p:nvPr/>
+            </p:nvCxnSpPr>
+            <p:spPr>
+              <a:xfrm rot="2641865" flipH="1">
+                <a:off x="16060820" y="14667441"/>
+                <a:ext cx="290699" cy="244130"/>
+              </a:xfrm>
+              <a:prstGeom prst="line">
+                <a:avLst/>
+              </a:prstGeom>
+              <a:ln w="25400">
+                <a:solidFill>
+                  <a:schemeClr val="accent6"/>
+                </a:solidFill>
+              </a:ln>
+            </p:spPr>
+            <p:style>
+              <a:lnRef idx="1">
+                <a:schemeClr val="accent1"/>
+              </a:lnRef>
+              <a:fillRef idx="0">
+                <a:schemeClr val="accent1"/>
+              </a:fillRef>
+              <a:effectRef idx="0">
+                <a:schemeClr val="accent1"/>
+              </a:effectRef>
+              <a:fontRef idx="minor">
+                <a:schemeClr val="tx1"/>
+              </a:fontRef>
+            </p:style>
+          </p:cxnSp>
+          <p:cxnSp>
+            <p:nvCxnSpPr>
+              <p:cNvPr id="216" name="Straight Connector 215"/>
+              <p:cNvCxnSpPr/>
+              <p:nvPr/>
+            </p:nvCxnSpPr>
+            <p:spPr>
+              <a:xfrm rot="2641865" flipH="1">
+                <a:off x="15495929" y="14442377"/>
+                <a:ext cx="351094" cy="0"/>
+              </a:xfrm>
+              <a:prstGeom prst="line">
+                <a:avLst/>
+              </a:prstGeom>
+              <a:ln w="25400">
+                <a:solidFill>
+                  <a:schemeClr val="accent6"/>
+                </a:solidFill>
+              </a:ln>
+            </p:spPr>
+            <p:style>
+              <a:lnRef idx="1">
+                <a:schemeClr val="accent1"/>
+              </a:lnRef>
+              <a:fillRef idx="0">
+                <a:schemeClr val="accent1"/>
+              </a:fillRef>
+              <a:effectRef idx="0">
+                <a:schemeClr val="accent1"/>
+              </a:effectRef>
+              <a:fontRef idx="minor">
+                <a:schemeClr val="tx1"/>
+              </a:fontRef>
+            </p:style>
+          </p:cxnSp>
+          <p:cxnSp>
+            <p:nvCxnSpPr>
+              <p:cNvPr id="217" name="Straight Connector 216"/>
+              <p:cNvCxnSpPr/>
+              <p:nvPr/>
+            </p:nvCxnSpPr>
+            <p:spPr>
+              <a:xfrm rot="2641865" flipV="1">
+                <a:off x="15671314" y="13784113"/>
+                <a:ext cx="0" cy="373196"/>
+              </a:xfrm>
+              <a:prstGeom prst="line">
+                <a:avLst/>
+              </a:prstGeom>
+              <a:ln w="25400">
+                <a:solidFill>
+                  <a:schemeClr val="accent6"/>
+                </a:solidFill>
+              </a:ln>
+            </p:spPr>
+            <p:style>
+              <a:lnRef idx="1">
+                <a:schemeClr val="accent1"/>
+              </a:lnRef>
+              <a:fillRef idx="0">
+                <a:schemeClr val="accent1"/>
+              </a:fillRef>
+              <a:effectRef idx="0">
+                <a:schemeClr val="accent1"/>
+              </a:effectRef>
+              <a:fontRef idx="minor">
+                <a:schemeClr val="tx1"/>
+              </a:fontRef>
+            </p:style>
+          </p:cxnSp>
+        </p:grpSp>
         <p:cxnSp>
           <p:nvCxnSpPr>
-            <p:cNvPr id="105" name="Straight Arrow Connector 104"/>
-            <p:cNvCxnSpPr>
-              <a:stCxn id="101" idx="2"/>
-              <a:endCxn id="102" idx="0"/>
-            </p:cNvCxnSpPr>
+            <p:cNvPr id="218" name="Straight Arrow Connector 217"/>
+            <p:cNvCxnSpPr/>
             <p:nvPr/>
           </p:nvCxnSpPr>
           <p:spPr>
-            <a:xfrm flipH="1">
-              <a:off x="31389033" y="8567212"/>
-              <a:ext cx="1545676" cy="238333"/>
+            <a:xfrm>
+              <a:off x="-1094253" y="3037755"/>
+              <a:ext cx="2228826" cy="720169"/>
             </a:xfrm>
             <a:prstGeom prst="straightConnector1">
               <a:avLst/>
             </a:prstGeom>
-            <a:ln w="19050">
+            <a:ln w="25400">
               <a:solidFill>
                 <a:schemeClr val="tx1"/>
               </a:solidFill>
@@ -13104,21 +16638,19 @@
         </p:cxnSp>
         <p:cxnSp>
           <p:nvCxnSpPr>
-            <p:cNvPr id="106" name="Straight Arrow Connector 105"/>
-            <p:cNvCxnSpPr>
-              <a:stCxn id="103" idx="2"/>
-            </p:cNvCxnSpPr>
+            <p:cNvPr id="219" name="Straight Arrow Connector 218"/>
+            <p:cNvCxnSpPr/>
             <p:nvPr/>
           </p:nvCxnSpPr>
           <p:spPr>
             <a:xfrm flipH="1">
-              <a:off x="32943854" y="10200192"/>
-              <a:ext cx="1533938" cy="196402"/>
+              <a:off x="3966436" y="3082768"/>
+              <a:ext cx="2579122" cy="679213"/>
             </a:xfrm>
             <a:prstGeom prst="straightConnector1">
               <a:avLst/>
             </a:prstGeom>
-            <a:ln w="19050">
+            <a:ln w="25400">
               <a:solidFill>
                 <a:schemeClr val="tx1"/>
               </a:solidFill>
@@ -13142,184 +16674,14 @@
         </p:cxnSp>
         <p:sp>
           <p:nvSpPr>
-            <p:cNvPr id="107" name="Freeform 106"/>
-            <p:cNvSpPr/>
-            <p:nvPr/>
-          </p:nvSpPr>
-          <p:spPr>
-            <a:xfrm>
-              <a:off x="32324040" y="9058584"/>
-              <a:ext cx="1203960" cy="285745"/>
-            </a:xfrm>
-            <a:custGeom>
-              <a:avLst/>
-              <a:gdLst>
-                <a:gd name="connsiteX0" fmla="*/ 0 w 1255776"/>
-                <a:gd name="connsiteY0" fmla="*/ 317677 h 317677"/>
-                <a:gd name="connsiteX1" fmla="*/ 487680 w 1255776"/>
-                <a:gd name="connsiteY1" fmla="*/ 685 h 317677"/>
-                <a:gd name="connsiteX2" fmla="*/ 1255776 w 1255776"/>
-                <a:gd name="connsiteY2" fmla="*/ 232333 h 317677"/>
-              </a:gdLst>
-              <a:ahLst/>
-              <a:cxnLst>
-                <a:cxn ang="0">
-                  <a:pos x="connsiteX0" y="connsiteY0"/>
-                </a:cxn>
-                <a:cxn ang="0">
-                  <a:pos x="connsiteX1" y="connsiteY1"/>
-                </a:cxn>
-                <a:cxn ang="0">
-                  <a:pos x="connsiteX2" y="connsiteY2"/>
-                </a:cxn>
-              </a:cxnLst>
-              <a:rect l="l" t="t" r="r" b="b"/>
-              <a:pathLst>
-                <a:path w="1255776" h="317677">
-                  <a:moveTo>
-                    <a:pt x="0" y="317677"/>
-                  </a:moveTo>
-                  <a:cubicBezTo>
-                    <a:pt x="139192" y="166293"/>
-                    <a:pt x="278384" y="14909"/>
-                    <a:pt x="487680" y="685"/>
-                  </a:cubicBezTo>
-                  <a:cubicBezTo>
-                    <a:pt x="696976" y="-13539"/>
-                    <a:pt x="1107440" y="197789"/>
-                    <a:pt x="1255776" y="232333"/>
-                  </a:cubicBezTo>
-                </a:path>
-              </a:pathLst>
-            </a:custGeom>
-            <a:noFill/>
-            <a:ln w="22225">
-              <a:solidFill>
-                <a:schemeClr val="tx1"/>
-              </a:solidFill>
-              <a:tailEnd type="triangle"/>
-            </a:ln>
-          </p:spPr>
-          <p:style>
-            <a:lnRef idx="2">
-              <a:schemeClr val="accent1">
-                <a:shade val="50000"/>
-              </a:schemeClr>
-            </a:lnRef>
-            <a:fillRef idx="1">
-              <a:schemeClr val="accent1"/>
-            </a:fillRef>
-            <a:effectRef idx="0">
-              <a:schemeClr val="accent1"/>
-            </a:effectRef>
-            <a:fontRef idx="minor">
-              <a:schemeClr val="lt1"/>
-            </a:fontRef>
-          </p:style>
-          <p:txBody>
-            <a:bodyPr rtlCol="0" anchor="ctr"/>
-            <a:lstStyle/>
-            <a:p>
-              <a:pPr algn="ctr"/>
-              <a:endParaRPr lang="en-US"/>
-            </a:p>
-          </p:txBody>
-        </p:sp>
-        <p:sp>
-          <p:nvSpPr>
-            <p:cNvPr id="108" name="Freeform 107"/>
-            <p:cNvSpPr/>
-            <p:nvPr/>
-          </p:nvSpPr>
-          <p:spPr>
-            <a:xfrm rot="10800000">
-              <a:off x="32308800" y="9744384"/>
-              <a:ext cx="1203960" cy="285745"/>
-            </a:xfrm>
-            <a:custGeom>
-              <a:avLst/>
-              <a:gdLst>
-                <a:gd name="connsiteX0" fmla="*/ 0 w 1255776"/>
-                <a:gd name="connsiteY0" fmla="*/ 317677 h 317677"/>
-                <a:gd name="connsiteX1" fmla="*/ 487680 w 1255776"/>
-                <a:gd name="connsiteY1" fmla="*/ 685 h 317677"/>
-                <a:gd name="connsiteX2" fmla="*/ 1255776 w 1255776"/>
-                <a:gd name="connsiteY2" fmla="*/ 232333 h 317677"/>
-              </a:gdLst>
-              <a:ahLst/>
-              <a:cxnLst>
-                <a:cxn ang="0">
-                  <a:pos x="connsiteX0" y="connsiteY0"/>
-                </a:cxn>
-                <a:cxn ang="0">
-                  <a:pos x="connsiteX1" y="connsiteY1"/>
-                </a:cxn>
-                <a:cxn ang="0">
-                  <a:pos x="connsiteX2" y="connsiteY2"/>
-                </a:cxn>
-              </a:cxnLst>
-              <a:rect l="l" t="t" r="r" b="b"/>
-              <a:pathLst>
-                <a:path w="1255776" h="317677">
-                  <a:moveTo>
-                    <a:pt x="0" y="317677"/>
-                  </a:moveTo>
-                  <a:cubicBezTo>
-                    <a:pt x="139192" y="166293"/>
-                    <a:pt x="278384" y="14909"/>
-                    <a:pt x="487680" y="685"/>
-                  </a:cubicBezTo>
-                  <a:cubicBezTo>
-                    <a:pt x="696976" y="-13539"/>
-                    <a:pt x="1107440" y="197789"/>
-                    <a:pt x="1255776" y="232333"/>
-                  </a:cubicBezTo>
-                </a:path>
-              </a:pathLst>
-            </a:custGeom>
-            <a:noFill/>
-            <a:ln w="22225">
-              <a:solidFill>
-                <a:schemeClr val="tx1"/>
-              </a:solidFill>
-              <a:tailEnd type="triangle"/>
-            </a:ln>
-          </p:spPr>
-          <p:style>
-            <a:lnRef idx="2">
-              <a:schemeClr val="accent1">
-                <a:shade val="50000"/>
-              </a:schemeClr>
-            </a:lnRef>
-            <a:fillRef idx="1">
-              <a:schemeClr val="accent1"/>
-            </a:fillRef>
-            <a:effectRef idx="0">
-              <a:schemeClr val="accent1"/>
-            </a:effectRef>
-            <a:fontRef idx="minor">
-              <a:schemeClr val="lt1"/>
-            </a:fontRef>
-          </p:style>
-          <p:txBody>
-            <a:bodyPr rtlCol="0" anchor="ctr"/>
-            <a:lstStyle/>
-            <a:p>
-              <a:pPr algn="ctr"/>
-              <a:endParaRPr lang="en-US"/>
-            </a:p>
-          </p:txBody>
-        </p:sp>
-        <p:sp>
-          <p:nvSpPr>
-            <p:cNvPr id="109" name="TextBox 108"/>
+            <p:cNvPr id="220" name="TextBox 219"/>
             <p:cNvSpPr txBox="1"/>
             <p:nvPr/>
           </p:nvSpPr>
           <p:spPr>
             <a:xfrm>
-              <a:off x="32354820" y="9210984"/>
-              <a:ext cx="1111920" cy="584775"/>
+              <a:off x="6892743" y="3872866"/>
+              <a:ext cx="2251257" cy="400110"/>
             </a:xfrm>
             <a:prstGeom prst="rect">
               <a:avLst/>
@@ -13327,15 +16689,68 @@
             <a:noFill/>
           </p:spPr>
           <p:txBody>
-            <a:bodyPr wrap="square" rtlCol="0">
+            <a:bodyPr wrap="none" rtlCol="0">
               <a:spAutoFit/>
             </a:bodyPr>
             <a:lstStyle/>
             <a:p>
-              <a:pPr algn="ctr"/>
               <a:r>
-                <a:rPr lang="en-US" sz="1600" smtClean="0"/>
-                <a:t>EM Iterations</a:t>
+                <a:rPr lang="en-US" altLang="zh-CN" sz="2000" dirty="0"/>
+                <a:t>Component</a:t>
+              </a:r>
+              <a:r>
+                <a:rPr lang="zh-CN" altLang="en-US" sz="2000" dirty="0"/>
+                <a:t> </a:t>
+              </a:r>
+              <a:r>
+                <a:rPr lang="en-US" altLang="zh-CN" sz="2000" dirty="0"/>
+                <a:t>ARGs</a:t>
+              </a:r>
+              <a:endParaRPr lang="en-US" sz="2000" dirty="0"/>
+            </a:p>
+          </p:txBody>
+        </p:sp>
+        <p:sp>
+          <p:nvSpPr>
+            <p:cNvPr id="221" name="TextBox 220"/>
+            <p:cNvSpPr txBox="1"/>
+            <p:nvPr/>
+          </p:nvSpPr>
+          <p:spPr>
+            <a:xfrm>
+              <a:off x="4159702" y="4507287"/>
+              <a:ext cx="2590774" cy="338554"/>
+            </a:xfrm>
+            <a:prstGeom prst="rect">
+              <a:avLst/>
+            </a:prstGeom>
+            <a:noFill/>
+          </p:spPr>
+          <p:txBody>
+            <a:bodyPr wrap="none" rtlCol="0">
+              <a:spAutoFit/>
+            </a:bodyPr>
+            <a:lstStyle/>
+            <a:p>
+              <a:r>
+                <a:rPr lang="en-US" altLang="zh-CN" sz="1600" dirty="0"/>
+                <a:t>Summarize</a:t>
+              </a:r>
+              <a:r>
+                <a:rPr lang="zh-CN" altLang="en-US" sz="1600" dirty="0"/>
+                <a:t> </a:t>
+              </a:r>
+              <a:r>
+                <a:rPr lang="en-US" altLang="zh-CN" sz="1600" dirty="0"/>
+                <a:t>House</a:t>
+              </a:r>
+              <a:r>
+                <a:rPr lang="zh-CN" altLang="en-US" sz="1600" dirty="0"/>
+                <a:t> </a:t>
+              </a:r>
+              <a:r>
+                <a:rPr lang="en-US" altLang="zh-CN" sz="1600" dirty="0"/>
+                <a:t>Pattern</a:t>
               </a:r>
               <a:endParaRPr lang="en-US" sz="1600" dirty="0"/>
             </a:p>
@@ -13343,47 +16758,47 @@
         </p:sp>
         <p:sp>
           <p:nvSpPr>
-            <p:cNvPr id="110" name="Rectangle 109"/>
-            <p:cNvSpPr/>
+            <p:cNvPr id="222" name="TextBox 221"/>
+            <p:cNvSpPr txBox="1"/>
             <p:nvPr/>
           </p:nvSpPr>
           <p:spPr>
             <a:xfrm>
-              <a:off x="30271879" y="7915386"/>
-              <a:ext cx="5313521" cy="2905014"/>
+              <a:off x="-1653205" y="4456684"/>
+              <a:ext cx="2659702" cy="338554"/>
             </a:xfrm>
             <a:prstGeom prst="rect">
               <a:avLst/>
             </a:prstGeom>
             <a:noFill/>
-            <a:ln>
-              <a:solidFill>
-                <a:schemeClr val="tx1"/>
-              </a:solidFill>
-            </a:ln>
           </p:spPr>
-          <p:style>
-            <a:lnRef idx="2">
-              <a:schemeClr val="accent1">
-                <a:shade val="50000"/>
-              </a:schemeClr>
-            </a:lnRef>
-            <a:fillRef idx="1">
-              <a:schemeClr val="accent1"/>
-            </a:fillRef>
-            <a:effectRef idx="0">
-              <a:schemeClr val="accent1"/>
-            </a:effectRef>
-            <a:fontRef idx="minor">
-              <a:schemeClr val="lt1"/>
-            </a:fontRef>
-          </p:style>
           <p:txBody>
-            <a:bodyPr rtlCol="0" anchor="ctr"/>
+            <a:bodyPr wrap="none" rtlCol="0">
+              <a:spAutoFit/>
+            </a:bodyPr>
             <a:lstStyle/>
             <a:p>
-              <a:pPr algn="ctr"/>
-              <a:endParaRPr lang="en-US"/>
+              <a:r>
+                <a:rPr lang="en-US" altLang="zh-CN" sz="1600"/>
+                <a:t>Summarize</a:t>
+              </a:r>
+              <a:r>
+                <a:rPr lang="zh-CN" altLang="en-US" sz="1600" dirty="0"/>
+                <a:t> </a:t>
+              </a:r>
+              <a:r>
+                <a:rPr lang="en-US" altLang="zh-CN" sz="1600" dirty="0"/>
+                <a:t>Square</a:t>
+              </a:r>
+              <a:r>
+                <a:rPr lang="zh-CN" altLang="en-US" sz="1600" dirty="0"/>
+                <a:t> </a:t>
+              </a:r>
+              <a:r>
+                <a:rPr lang="en-US" altLang="zh-CN" sz="1600" dirty="0"/>
+                <a:t>Pattern</a:t>
+              </a:r>
+              <a:endParaRPr lang="en-US" sz="1600" dirty="0"/>
             </a:p>
           </p:txBody>
         </p:sp>
